--- a/textbook/picture/picture.pptx
+++ b/textbook/picture/picture.pptx
@@ -13,6 +13,8 @@
     <p:sldId id="261" r:id="rId7"/>
     <p:sldId id="263" r:id="rId8"/>
     <p:sldId id="266" r:id="rId9"/>
+    <p:sldId id="267" r:id="rId10"/>
+    <p:sldId id="268" r:id="rId11"/>
   </p:sldIdLst>
   <p:sldSz cx="12192000" cy="6858000"/>
   <p:notesSz cx="6858000" cy="9144000"/>
@@ -268,7 +270,7 @@
           <a:p>
             <a:fld id="{B2C83F37-400A-4A56-9D6C-33A8A4AA2C04}" type="datetimeFigureOut">
               <a:rPr lang="en-US" smtClean="0"/>
-              <a:t>7/15/2019</a:t>
+              <a:t>7/20/2020</a:t>
             </a:fld>
             <a:endParaRPr lang="en-US" dirty="0"/>
           </a:p>
@@ -468,7 +470,7 @@
           <a:p>
             <a:fld id="{B2C83F37-400A-4A56-9D6C-33A8A4AA2C04}" type="datetimeFigureOut">
               <a:rPr lang="en-US" smtClean="0"/>
-              <a:t>7/15/2019</a:t>
+              <a:t>7/20/2020</a:t>
             </a:fld>
             <a:endParaRPr lang="en-US" dirty="0"/>
           </a:p>
@@ -678,7 +680,7 @@
           <a:p>
             <a:fld id="{B2C83F37-400A-4A56-9D6C-33A8A4AA2C04}" type="datetimeFigureOut">
               <a:rPr lang="en-US" smtClean="0"/>
-              <a:t>7/15/2019</a:t>
+              <a:t>7/20/2020</a:t>
             </a:fld>
             <a:endParaRPr lang="en-US" dirty="0"/>
           </a:p>
@@ -878,7 +880,7 @@
           <a:p>
             <a:fld id="{B2C83F37-400A-4A56-9D6C-33A8A4AA2C04}" type="datetimeFigureOut">
               <a:rPr lang="en-US" smtClean="0"/>
-              <a:t>7/15/2019</a:t>
+              <a:t>7/20/2020</a:t>
             </a:fld>
             <a:endParaRPr lang="en-US" dirty="0"/>
           </a:p>
@@ -1154,7 +1156,7 @@
           <a:p>
             <a:fld id="{B2C83F37-400A-4A56-9D6C-33A8A4AA2C04}" type="datetimeFigureOut">
               <a:rPr lang="en-US" smtClean="0"/>
-              <a:t>7/15/2019</a:t>
+              <a:t>7/20/2020</a:t>
             </a:fld>
             <a:endParaRPr lang="en-US" dirty="0"/>
           </a:p>
@@ -1422,7 +1424,7 @@
           <a:p>
             <a:fld id="{B2C83F37-400A-4A56-9D6C-33A8A4AA2C04}" type="datetimeFigureOut">
               <a:rPr lang="en-US" smtClean="0"/>
-              <a:t>7/15/2019</a:t>
+              <a:t>7/20/2020</a:t>
             </a:fld>
             <a:endParaRPr lang="en-US" dirty="0"/>
           </a:p>
@@ -1837,7 +1839,7 @@
           <a:p>
             <a:fld id="{B2C83F37-400A-4A56-9D6C-33A8A4AA2C04}" type="datetimeFigureOut">
               <a:rPr lang="en-US" smtClean="0"/>
-              <a:t>7/15/2019</a:t>
+              <a:t>7/20/2020</a:t>
             </a:fld>
             <a:endParaRPr lang="en-US" dirty="0"/>
           </a:p>
@@ -1979,7 +1981,7 @@
           <a:p>
             <a:fld id="{B2C83F37-400A-4A56-9D6C-33A8A4AA2C04}" type="datetimeFigureOut">
               <a:rPr lang="en-US" smtClean="0"/>
-              <a:t>7/15/2019</a:t>
+              <a:t>7/20/2020</a:t>
             </a:fld>
             <a:endParaRPr lang="en-US" dirty="0"/>
           </a:p>
@@ -2092,7 +2094,7 @@
           <a:p>
             <a:fld id="{B2C83F37-400A-4A56-9D6C-33A8A4AA2C04}" type="datetimeFigureOut">
               <a:rPr lang="en-US" smtClean="0"/>
-              <a:t>7/15/2019</a:t>
+              <a:t>7/20/2020</a:t>
             </a:fld>
             <a:endParaRPr lang="en-US" dirty="0"/>
           </a:p>
@@ -2405,7 +2407,7 @@
           <a:p>
             <a:fld id="{B2C83F37-400A-4A56-9D6C-33A8A4AA2C04}" type="datetimeFigureOut">
               <a:rPr lang="en-US" smtClean="0"/>
-              <a:t>7/15/2019</a:t>
+              <a:t>7/20/2020</a:t>
             </a:fld>
             <a:endParaRPr lang="en-US" dirty="0"/>
           </a:p>
@@ -2694,7 +2696,7 @@
           <a:p>
             <a:fld id="{B2C83F37-400A-4A56-9D6C-33A8A4AA2C04}" type="datetimeFigureOut">
               <a:rPr lang="en-US" smtClean="0"/>
-              <a:t>7/15/2019</a:t>
+              <a:t>7/20/2020</a:t>
             </a:fld>
             <a:endParaRPr lang="en-US" dirty="0"/>
           </a:p>
@@ -2937,7 +2939,7 @@
           <a:p>
             <a:fld id="{B2C83F37-400A-4A56-9D6C-33A8A4AA2C04}" type="datetimeFigureOut">
               <a:rPr lang="en-US" smtClean="0"/>
-              <a:t>7/15/2019</a:t>
+              <a:t>7/20/2020</a:t>
             </a:fld>
             <a:endParaRPr lang="en-US" dirty="0"/>
           </a:p>
@@ -5387,6 +5389,1185 @@
     <p:extLst>
       <p:ext uri="{BB962C8B-B14F-4D97-AF65-F5344CB8AC3E}">
         <p14:creationId xmlns:p14="http://schemas.microsoft.com/office/powerpoint/2010/main" val="3141001378"/>
+      </p:ext>
+    </p:extLst>
+  </p:cSld>
+  <p:clrMapOvr>
+    <a:masterClrMapping/>
+  </p:clrMapOvr>
+</p:sld>
+</file>
+
+<file path=ppt/slides/slide10.xml><?xml version="1.0" encoding="utf-8"?>
+<p:sld xmlns:a="http://schemas.openxmlformats.org/drawingml/2006/main" xmlns:r="http://schemas.openxmlformats.org/officeDocument/2006/relationships" xmlns:p="http://schemas.openxmlformats.org/presentationml/2006/main">
+  <p:cSld>
+    <p:spTree>
+      <p:nvGrpSpPr>
+        <p:cNvPr id="1" name=""/>
+        <p:cNvGrpSpPr/>
+        <p:nvPr/>
+      </p:nvGrpSpPr>
+      <p:grpSpPr>
+        <a:xfrm>
+          <a:off x="0" y="0"/>
+          <a:ext cx="0" cy="0"/>
+          <a:chOff x="0" y="0"/>
+          <a:chExt cx="0" cy="0"/>
+        </a:xfrm>
+      </p:grpSpPr>
+      <p:sp>
+        <p:nvSpPr>
+          <p:cNvPr id="4" name="橢圓 3">
+            <a:extLst>
+              <a:ext uri="{FF2B5EF4-FFF2-40B4-BE49-F238E27FC236}">
+                <a16:creationId xmlns:a16="http://schemas.microsoft.com/office/drawing/2014/main" id="{7FA4D503-636D-4778-B61D-D37394A992C2}"/>
+              </a:ext>
+            </a:extLst>
+          </p:cNvPr>
+          <p:cNvSpPr/>
+          <p:nvPr/>
+        </p:nvSpPr>
+        <p:spPr>
+          <a:xfrm>
+            <a:off x="2508309" y="939567"/>
+            <a:ext cx="780175" cy="771787"/>
+          </a:xfrm>
+          <a:prstGeom prst="ellipse">
+            <a:avLst/>
+          </a:prstGeom>
+          <a:solidFill>
+            <a:schemeClr val="bg2"/>
+          </a:solidFill>
+          <a:ln>
+            <a:solidFill>
+              <a:schemeClr val="tx1"/>
+            </a:solidFill>
+          </a:ln>
+        </p:spPr>
+        <p:style>
+          <a:lnRef idx="2">
+            <a:schemeClr val="accent1">
+              <a:shade val="50000"/>
+            </a:schemeClr>
+          </a:lnRef>
+          <a:fillRef idx="1">
+            <a:schemeClr val="accent1"/>
+          </a:fillRef>
+          <a:effectRef idx="0">
+            <a:schemeClr val="accent1"/>
+          </a:effectRef>
+          <a:fontRef idx="minor">
+            <a:schemeClr val="lt1"/>
+          </a:fontRef>
+        </p:style>
+        <p:txBody>
+          <a:bodyPr rtlCol="0" anchor="ctr"/>
+          <a:lstStyle/>
+          <a:p>
+            <a:pPr algn="ctr"/>
+            <a:r>
+              <a:rPr lang="en-US" altLang="zh-TW" sz="2800" b="1" dirty="0">
+                <a:solidFill>
+                  <a:schemeClr val="tx1"/>
+                </a:solidFill>
+              </a:rPr>
+              <a:t>1</a:t>
+            </a:r>
+            <a:endParaRPr lang="zh-TW" altLang="en-US" sz="2800" b="1" dirty="0">
+              <a:solidFill>
+                <a:schemeClr val="tx1"/>
+              </a:solidFill>
+            </a:endParaRPr>
+          </a:p>
+        </p:txBody>
+      </p:sp>
+      <p:sp>
+        <p:nvSpPr>
+          <p:cNvPr id="5" name="橢圓 4">
+            <a:extLst>
+              <a:ext uri="{FF2B5EF4-FFF2-40B4-BE49-F238E27FC236}">
+                <a16:creationId xmlns:a16="http://schemas.microsoft.com/office/drawing/2014/main" id="{B2E7AD77-C012-44A9-B97E-9A352A843314}"/>
+              </a:ext>
+            </a:extLst>
+          </p:cNvPr>
+          <p:cNvSpPr/>
+          <p:nvPr/>
+        </p:nvSpPr>
+        <p:spPr>
+          <a:xfrm>
+            <a:off x="2508309" y="2450983"/>
+            <a:ext cx="780175" cy="771787"/>
+          </a:xfrm>
+          <a:prstGeom prst="ellipse">
+            <a:avLst/>
+          </a:prstGeom>
+          <a:solidFill>
+            <a:schemeClr val="bg2"/>
+          </a:solidFill>
+          <a:ln>
+            <a:solidFill>
+              <a:schemeClr val="tx1"/>
+            </a:solidFill>
+          </a:ln>
+        </p:spPr>
+        <p:style>
+          <a:lnRef idx="2">
+            <a:schemeClr val="accent1">
+              <a:shade val="50000"/>
+            </a:schemeClr>
+          </a:lnRef>
+          <a:fillRef idx="1">
+            <a:schemeClr val="accent1"/>
+          </a:fillRef>
+          <a:effectRef idx="0">
+            <a:schemeClr val="accent1"/>
+          </a:effectRef>
+          <a:fontRef idx="minor">
+            <a:schemeClr val="lt1"/>
+          </a:fontRef>
+        </p:style>
+        <p:txBody>
+          <a:bodyPr rtlCol="0" anchor="ctr"/>
+          <a:lstStyle/>
+          <a:p>
+            <a:pPr algn="ctr"/>
+            <a:r>
+              <a:rPr lang="en-US" altLang="zh-TW" sz="2800" b="1" dirty="0">
+                <a:solidFill>
+                  <a:schemeClr val="tx1"/>
+                </a:solidFill>
+              </a:rPr>
+              <a:t>2</a:t>
+            </a:r>
+            <a:endParaRPr lang="zh-TW" altLang="en-US" sz="2800" b="1" dirty="0">
+              <a:solidFill>
+                <a:schemeClr val="tx1"/>
+              </a:solidFill>
+            </a:endParaRPr>
+          </a:p>
+        </p:txBody>
+      </p:sp>
+      <p:sp>
+        <p:nvSpPr>
+          <p:cNvPr id="6" name="橢圓 5">
+            <a:extLst>
+              <a:ext uri="{FF2B5EF4-FFF2-40B4-BE49-F238E27FC236}">
+                <a16:creationId xmlns:a16="http://schemas.microsoft.com/office/drawing/2014/main" id="{785F17B2-477A-4B36-A9A6-843C30038311}"/>
+              </a:ext>
+            </a:extLst>
+          </p:cNvPr>
+          <p:cNvSpPr/>
+          <p:nvPr/>
+        </p:nvSpPr>
+        <p:spPr>
+          <a:xfrm>
+            <a:off x="2508308" y="3962399"/>
+            <a:ext cx="780175" cy="771787"/>
+          </a:xfrm>
+          <a:prstGeom prst="ellipse">
+            <a:avLst/>
+          </a:prstGeom>
+          <a:solidFill>
+            <a:schemeClr val="bg2"/>
+          </a:solidFill>
+          <a:ln>
+            <a:solidFill>
+              <a:schemeClr val="tx1"/>
+            </a:solidFill>
+          </a:ln>
+        </p:spPr>
+        <p:style>
+          <a:lnRef idx="2">
+            <a:schemeClr val="accent1">
+              <a:shade val="50000"/>
+            </a:schemeClr>
+          </a:lnRef>
+          <a:fillRef idx="1">
+            <a:schemeClr val="accent1"/>
+          </a:fillRef>
+          <a:effectRef idx="0">
+            <a:schemeClr val="accent1"/>
+          </a:effectRef>
+          <a:fontRef idx="minor">
+            <a:schemeClr val="lt1"/>
+          </a:fontRef>
+        </p:style>
+        <p:txBody>
+          <a:bodyPr rtlCol="0" anchor="ctr"/>
+          <a:lstStyle/>
+          <a:p>
+            <a:pPr algn="ctr"/>
+            <a:r>
+              <a:rPr lang="en-US" altLang="zh-TW" sz="2800" b="1" dirty="0">
+                <a:solidFill>
+                  <a:schemeClr val="tx1"/>
+                </a:solidFill>
+              </a:rPr>
+              <a:t>3</a:t>
+            </a:r>
+            <a:endParaRPr lang="zh-TW" altLang="en-US" sz="2800" b="1" dirty="0">
+              <a:solidFill>
+                <a:schemeClr val="tx1"/>
+              </a:solidFill>
+            </a:endParaRPr>
+          </a:p>
+        </p:txBody>
+      </p:sp>
+      <p:sp>
+        <p:nvSpPr>
+          <p:cNvPr id="7" name="橢圓 6">
+            <a:extLst>
+              <a:ext uri="{FF2B5EF4-FFF2-40B4-BE49-F238E27FC236}">
+                <a16:creationId xmlns:a16="http://schemas.microsoft.com/office/drawing/2014/main" id="{52B06984-2096-43DE-8C98-88B8D29E2281}"/>
+              </a:ext>
+            </a:extLst>
+          </p:cNvPr>
+          <p:cNvSpPr/>
+          <p:nvPr/>
+        </p:nvSpPr>
+        <p:spPr>
+          <a:xfrm>
+            <a:off x="5001237" y="939567"/>
+            <a:ext cx="780175" cy="771787"/>
+          </a:xfrm>
+          <a:prstGeom prst="ellipse">
+            <a:avLst/>
+          </a:prstGeom>
+          <a:solidFill>
+            <a:schemeClr val="bg2"/>
+          </a:solidFill>
+          <a:ln>
+            <a:solidFill>
+              <a:schemeClr val="tx1"/>
+            </a:solidFill>
+          </a:ln>
+        </p:spPr>
+        <p:style>
+          <a:lnRef idx="2">
+            <a:schemeClr val="accent1">
+              <a:shade val="50000"/>
+            </a:schemeClr>
+          </a:lnRef>
+          <a:fillRef idx="1">
+            <a:schemeClr val="accent1"/>
+          </a:fillRef>
+          <a:effectRef idx="0">
+            <a:schemeClr val="accent1"/>
+          </a:effectRef>
+          <a:fontRef idx="minor">
+            <a:schemeClr val="lt1"/>
+          </a:fontRef>
+        </p:style>
+        <p:txBody>
+          <a:bodyPr rtlCol="0" anchor="ctr"/>
+          <a:lstStyle/>
+          <a:p>
+            <a:pPr algn="ctr"/>
+            <a:r>
+              <a:rPr lang="en-US" altLang="zh-TW" sz="2800" b="1" dirty="0">
+                <a:solidFill>
+                  <a:schemeClr val="tx1"/>
+                </a:solidFill>
+              </a:rPr>
+              <a:t>1</a:t>
+            </a:r>
+            <a:endParaRPr lang="zh-TW" altLang="en-US" sz="2800" b="1" dirty="0">
+              <a:solidFill>
+                <a:schemeClr val="tx1"/>
+              </a:solidFill>
+            </a:endParaRPr>
+          </a:p>
+        </p:txBody>
+      </p:sp>
+      <p:sp>
+        <p:nvSpPr>
+          <p:cNvPr id="8" name="橢圓 7">
+            <a:extLst>
+              <a:ext uri="{FF2B5EF4-FFF2-40B4-BE49-F238E27FC236}">
+                <a16:creationId xmlns:a16="http://schemas.microsoft.com/office/drawing/2014/main" id="{2B0906D3-1501-46DC-A710-2DE226276F7B}"/>
+              </a:ext>
+            </a:extLst>
+          </p:cNvPr>
+          <p:cNvSpPr/>
+          <p:nvPr/>
+        </p:nvSpPr>
+        <p:spPr>
+          <a:xfrm>
+            <a:off x="5001237" y="2450983"/>
+            <a:ext cx="780175" cy="771787"/>
+          </a:xfrm>
+          <a:prstGeom prst="ellipse">
+            <a:avLst/>
+          </a:prstGeom>
+          <a:solidFill>
+            <a:schemeClr val="bg2"/>
+          </a:solidFill>
+          <a:ln>
+            <a:solidFill>
+              <a:schemeClr val="tx1"/>
+            </a:solidFill>
+          </a:ln>
+        </p:spPr>
+        <p:style>
+          <a:lnRef idx="2">
+            <a:schemeClr val="accent1">
+              <a:shade val="50000"/>
+            </a:schemeClr>
+          </a:lnRef>
+          <a:fillRef idx="1">
+            <a:schemeClr val="accent1"/>
+          </a:fillRef>
+          <a:effectRef idx="0">
+            <a:schemeClr val="accent1"/>
+          </a:effectRef>
+          <a:fontRef idx="minor">
+            <a:schemeClr val="lt1"/>
+          </a:fontRef>
+        </p:style>
+        <p:txBody>
+          <a:bodyPr rtlCol="0" anchor="ctr"/>
+          <a:lstStyle/>
+          <a:p>
+            <a:pPr algn="ctr"/>
+            <a:r>
+              <a:rPr lang="en-US" altLang="zh-TW" sz="2800" b="1" dirty="0">
+                <a:solidFill>
+                  <a:schemeClr val="tx1"/>
+                </a:solidFill>
+              </a:rPr>
+              <a:t>2</a:t>
+            </a:r>
+            <a:endParaRPr lang="zh-TW" altLang="en-US" sz="2800" b="1" dirty="0">
+              <a:solidFill>
+                <a:schemeClr val="tx1"/>
+              </a:solidFill>
+            </a:endParaRPr>
+          </a:p>
+        </p:txBody>
+      </p:sp>
+      <p:sp>
+        <p:nvSpPr>
+          <p:cNvPr id="9" name="橢圓 8">
+            <a:extLst>
+              <a:ext uri="{FF2B5EF4-FFF2-40B4-BE49-F238E27FC236}">
+                <a16:creationId xmlns:a16="http://schemas.microsoft.com/office/drawing/2014/main" id="{0B682119-CD84-495E-961A-6925914B305F}"/>
+              </a:ext>
+            </a:extLst>
+          </p:cNvPr>
+          <p:cNvSpPr/>
+          <p:nvPr/>
+        </p:nvSpPr>
+        <p:spPr>
+          <a:xfrm>
+            <a:off x="5001236" y="3962399"/>
+            <a:ext cx="780175" cy="771787"/>
+          </a:xfrm>
+          <a:prstGeom prst="ellipse">
+            <a:avLst/>
+          </a:prstGeom>
+          <a:solidFill>
+            <a:schemeClr val="bg2"/>
+          </a:solidFill>
+          <a:ln>
+            <a:solidFill>
+              <a:schemeClr val="tx1"/>
+            </a:solidFill>
+          </a:ln>
+        </p:spPr>
+        <p:style>
+          <a:lnRef idx="2">
+            <a:schemeClr val="accent1">
+              <a:shade val="50000"/>
+            </a:schemeClr>
+          </a:lnRef>
+          <a:fillRef idx="1">
+            <a:schemeClr val="accent1"/>
+          </a:fillRef>
+          <a:effectRef idx="0">
+            <a:schemeClr val="accent1"/>
+          </a:effectRef>
+          <a:fontRef idx="minor">
+            <a:schemeClr val="lt1"/>
+          </a:fontRef>
+        </p:style>
+        <p:txBody>
+          <a:bodyPr rtlCol="0" anchor="ctr"/>
+          <a:lstStyle/>
+          <a:p>
+            <a:pPr algn="ctr"/>
+            <a:r>
+              <a:rPr lang="en-US" altLang="zh-TW" sz="2800" b="1" dirty="0">
+                <a:solidFill>
+                  <a:schemeClr val="tx1"/>
+                </a:solidFill>
+              </a:rPr>
+              <a:t>3</a:t>
+            </a:r>
+            <a:endParaRPr lang="zh-TW" altLang="en-US" sz="2800" b="1" dirty="0">
+              <a:solidFill>
+                <a:schemeClr val="tx1"/>
+              </a:solidFill>
+            </a:endParaRPr>
+          </a:p>
+        </p:txBody>
+      </p:sp>
+      <p:sp>
+        <p:nvSpPr>
+          <p:cNvPr id="10" name="橢圓 9">
+            <a:extLst>
+              <a:ext uri="{FF2B5EF4-FFF2-40B4-BE49-F238E27FC236}">
+                <a16:creationId xmlns:a16="http://schemas.microsoft.com/office/drawing/2014/main" id="{396BA2A9-8737-42AD-94C3-6AC7C43FB448}"/>
+              </a:ext>
+            </a:extLst>
+          </p:cNvPr>
+          <p:cNvSpPr/>
+          <p:nvPr/>
+        </p:nvSpPr>
+        <p:spPr>
+          <a:xfrm>
+            <a:off x="7494165" y="939567"/>
+            <a:ext cx="780175" cy="771787"/>
+          </a:xfrm>
+          <a:prstGeom prst="ellipse">
+            <a:avLst/>
+          </a:prstGeom>
+          <a:solidFill>
+            <a:schemeClr val="bg2"/>
+          </a:solidFill>
+          <a:ln>
+            <a:solidFill>
+              <a:schemeClr val="tx1"/>
+            </a:solidFill>
+          </a:ln>
+        </p:spPr>
+        <p:style>
+          <a:lnRef idx="2">
+            <a:schemeClr val="accent1">
+              <a:shade val="50000"/>
+            </a:schemeClr>
+          </a:lnRef>
+          <a:fillRef idx="1">
+            <a:schemeClr val="accent1"/>
+          </a:fillRef>
+          <a:effectRef idx="0">
+            <a:schemeClr val="accent1"/>
+          </a:effectRef>
+          <a:fontRef idx="minor">
+            <a:schemeClr val="lt1"/>
+          </a:fontRef>
+        </p:style>
+        <p:txBody>
+          <a:bodyPr rtlCol="0" anchor="ctr"/>
+          <a:lstStyle/>
+          <a:p>
+            <a:pPr algn="ctr"/>
+            <a:r>
+              <a:rPr lang="en-US" altLang="zh-TW" sz="2800" b="1" dirty="0">
+                <a:solidFill>
+                  <a:schemeClr val="tx1"/>
+                </a:solidFill>
+              </a:rPr>
+              <a:t>1</a:t>
+            </a:r>
+            <a:endParaRPr lang="zh-TW" altLang="en-US" sz="2800" b="1" dirty="0">
+              <a:solidFill>
+                <a:schemeClr val="tx1"/>
+              </a:solidFill>
+            </a:endParaRPr>
+          </a:p>
+        </p:txBody>
+      </p:sp>
+      <p:sp>
+        <p:nvSpPr>
+          <p:cNvPr id="11" name="橢圓 10">
+            <a:extLst>
+              <a:ext uri="{FF2B5EF4-FFF2-40B4-BE49-F238E27FC236}">
+                <a16:creationId xmlns:a16="http://schemas.microsoft.com/office/drawing/2014/main" id="{48AEBC5E-5A6B-435F-AF27-578C4368556D}"/>
+              </a:ext>
+            </a:extLst>
+          </p:cNvPr>
+          <p:cNvSpPr/>
+          <p:nvPr/>
+        </p:nvSpPr>
+        <p:spPr>
+          <a:xfrm>
+            <a:off x="7494165" y="2450983"/>
+            <a:ext cx="780175" cy="771787"/>
+          </a:xfrm>
+          <a:prstGeom prst="ellipse">
+            <a:avLst/>
+          </a:prstGeom>
+          <a:solidFill>
+            <a:schemeClr val="bg2"/>
+          </a:solidFill>
+          <a:ln>
+            <a:solidFill>
+              <a:schemeClr val="tx1"/>
+            </a:solidFill>
+          </a:ln>
+        </p:spPr>
+        <p:style>
+          <a:lnRef idx="2">
+            <a:schemeClr val="accent1">
+              <a:shade val="50000"/>
+            </a:schemeClr>
+          </a:lnRef>
+          <a:fillRef idx="1">
+            <a:schemeClr val="accent1"/>
+          </a:fillRef>
+          <a:effectRef idx="0">
+            <a:schemeClr val="accent1"/>
+          </a:effectRef>
+          <a:fontRef idx="minor">
+            <a:schemeClr val="lt1"/>
+          </a:fontRef>
+        </p:style>
+        <p:txBody>
+          <a:bodyPr rtlCol="0" anchor="ctr"/>
+          <a:lstStyle/>
+          <a:p>
+            <a:pPr algn="ctr"/>
+            <a:r>
+              <a:rPr lang="en-US" altLang="zh-TW" sz="2800" b="1" dirty="0">
+                <a:solidFill>
+                  <a:schemeClr val="tx1"/>
+                </a:solidFill>
+              </a:rPr>
+              <a:t>2</a:t>
+            </a:r>
+            <a:endParaRPr lang="zh-TW" altLang="en-US" sz="2800" b="1" dirty="0">
+              <a:solidFill>
+                <a:schemeClr val="tx1"/>
+              </a:solidFill>
+            </a:endParaRPr>
+          </a:p>
+        </p:txBody>
+      </p:sp>
+      <p:sp>
+        <p:nvSpPr>
+          <p:cNvPr id="12" name="橢圓 11">
+            <a:extLst>
+              <a:ext uri="{FF2B5EF4-FFF2-40B4-BE49-F238E27FC236}">
+                <a16:creationId xmlns:a16="http://schemas.microsoft.com/office/drawing/2014/main" id="{63329414-504D-4B0E-86DA-172E6BC129FD}"/>
+              </a:ext>
+            </a:extLst>
+          </p:cNvPr>
+          <p:cNvSpPr/>
+          <p:nvPr/>
+        </p:nvSpPr>
+        <p:spPr>
+          <a:xfrm>
+            <a:off x="7494164" y="3962399"/>
+            <a:ext cx="780175" cy="771787"/>
+          </a:xfrm>
+          <a:prstGeom prst="ellipse">
+            <a:avLst/>
+          </a:prstGeom>
+          <a:solidFill>
+            <a:schemeClr val="bg2"/>
+          </a:solidFill>
+          <a:ln>
+            <a:solidFill>
+              <a:schemeClr val="tx1"/>
+            </a:solidFill>
+          </a:ln>
+        </p:spPr>
+        <p:style>
+          <a:lnRef idx="2">
+            <a:schemeClr val="accent1">
+              <a:shade val="50000"/>
+            </a:schemeClr>
+          </a:lnRef>
+          <a:fillRef idx="1">
+            <a:schemeClr val="accent1"/>
+          </a:fillRef>
+          <a:effectRef idx="0">
+            <a:schemeClr val="accent1"/>
+          </a:effectRef>
+          <a:fontRef idx="minor">
+            <a:schemeClr val="lt1"/>
+          </a:fontRef>
+        </p:style>
+        <p:txBody>
+          <a:bodyPr rtlCol="0" anchor="ctr"/>
+          <a:lstStyle/>
+          <a:p>
+            <a:pPr algn="ctr"/>
+            <a:r>
+              <a:rPr lang="en-US" altLang="zh-TW" sz="2800" b="1" dirty="0">
+                <a:solidFill>
+                  <a:schemeClr val="tx1"/>
+                </a:solidFill>
+              </a:rPr>
+              <a:t>3</a:t>
+            </a:r>
+            <a:endParaRPr lang="zh-TW" altLang="en-US" sz="2800" b="1" dirty="0">
+              <a:solidFill>
+                <a:schemeClr val="tx1"/>
+              </a:solidFill>
+            </a:endParaRPr>
+          </a:p>
+        </p:txBody>
+      </p:sp>
+      <p:sp>
+        <p:nvSpPr>
+          <p:cNvPr id="13" name="文字方塊 12">
+            <a:extLst>
+              <a:ext uri="{FF2B5EF4-FFF2-40B4-BE49-F238E27FC236}">
+                <a16:creationId xmlns:a16="http://schemas.microsoft.com/office/drawing/2014/main" id="{78989841-9C44-4F9F-8440-F1E3222E223F}"/>
+              </a:ext>
+            </a:extLst>
+          </p:cNvPr>
+          <p:cNvSpPr txBox="1"/>
+          <p:nvPr/>
+        </p:nvSpPr>
+        <p:spPr>
+          <a:xfrm>
+            <a:off x="2390861" y="4842873"/>
+            <a:ext cx="2343979" cy="630942"/>
+          </a:xfrm>
+          <a:prstGeom prst="rect">
+            <a:avLst/>
+          </a:prstGeom>
+          <a:noFill/>
+        </p:spPr>
+        <p:txBody>
+          <a:bodyPr wrap="square" rtlCol="0">
+            <a:spAutoFit/>
+          </a:bodyPr>
+          <a:lstStyle/>
+          <a:p>
+            <a:r>
+              <a:rPr lang="en-US" sz="3500" b="1" dirty="0"/>
+              <a:t>t = 0</a:t>
+            </a:r>
+          </a:p>
+        </p:txBody>
+      </p:sp>
+      <p:sp>
+        <p:nvSpPr>
+          <p:cNvPr id="14" name="文字方塊 13">
+            <a:extLst>
+              <a:ext uri="{FF2B5EF4-FFF2-40B4-BE49-F238E27FC236}">
+                <a16:creationId xmlns:a16="http://schemas.microsoft.com/office/drawing/2014/main" id="{4A81516B-FBB9-472C-B820-EBE54F01F194}"/>
+              </a:ext>
+            </a:extLst>
+          </p:cNvPr>
+          <p:cNvSpPr txBox="1"/>
+          <p:nvPr/>
+        </p:nvSpPr>
+        <p:spPr>
+          <a:xfrm>
+            <a:off x="4924010" y="4842873"/>
+            <a:ext cx="2343979" cy="630942"/>
+          </a:xfrm>
+          <a:prstGeom prst="rect">
+            <a:avLst/>
+          </a:prstGeom>
+          <a:noFill/>
+        </p:spPr>
+        <p:txBody>
+          <a:bodyPr wrap="square" rtlCol="0">
+            <a:spAutoFit/>
+          </a:bodyPr>
+          <a:lstStyle/>
+          <a:p>
+            <a:r>
+              <a:rPr lang="en-US" sz="3500" b="1" dirty="0"/>
+              <a:t>t = 1</a:t>
+            </a:r>
+          </a:p>
+        </p:txBody>
+      </p:sp>
+      <p:sp>
+        <p:nvSpPr>
+          <p:cNvPr id="15" name="文字方塊 14">
+            <a:extLst>
+              <a:ext uri="{FF2B5EF4-FFF2-40B4-BE49-F238E27FC236}">
+                <a16:creationId xmlns:a16="http://schemas.microsoft.com/office/drawing/2014/main" id="{D3AE2E4B-2ADF-4E63-852D-E6015589759E}"/>
+              </a:ext>
+            </a:extLst>
+          </p:cNvPr>
+          <p:cNvSpPr txBox="1"/>
+          <p:nvPr/>
+        </p:nvSpPr>
+        <p:spPr>
+          <a:xfrm>
+            <a:off x="7457159" y="4842873"/>
+            <a:ext cx="2343979" cy="630942"/>
+          </a:xfrm>
+          <a:prstGeom prst="rect">
+            <a:avLst/>
+          </a:prstGeom>
+          <a:noFill/>
+        </p:spPr>
+        <p:txBody>
+          <a:bodyPr wrap="square" rtlCol="0">
+            <a:spAutoFit/>
+          </a:bodyPr>
+          <a:lstStyle/>
+          <a:p>
+            <a:r>
+              <a:rPr lang="en-US" sz="3500" b="1" dirty="0"/>
+              <a:t>t = 2</a:t>
+            </a:r>
+          </a:p>
+        </p:txBody>
+      </p:sp>
+      <p:cxnSp>
+        <p:nvCxnSpPr>
+          <p:cNvPr id="16" name="直線單箭頭接點 15">
+            <a:extLst>
+              <a:ext uri="{FF2B5EF4-FFF2-40B4-BE49-F238E27FC236}">
+                <a16:creationId xmlns:a16="http://schemas.microsoft.com/office/drawing/2014/main" id="{B902E517-6DB1-477D-B12E-679371812F0C}"/>
+              </a:ext>
+            </a:extLst>
+          </p:cNvPr>
+          <p:cNvCxnSpPr>
+            <a:cxnSpLocks/>
+            <a:stCxn id="4" idx="6"/>
+            <a:endCxn id="7" idx="2"/>
+          </p:cNvCxnSpPr>
+          <p:nvPr/>
+        </p:nvCxnSpPr>
+        <p:spPr>
+          <a:xfrm>
+            <a:off x="3288484" y="1325461"/>
+            <a:ext cx="1712753" cy="0"/>
+          </a:xfrm>
+          <a:prstGeom prst="straightConnector1">
+            <a:avLst/>
+          </a:prstGeom>
+          <a:ln w="57150">
+            <a:solidFill>
+              <a:schemeClr val="tx1"/>
+            </a:solidFill>
+            <a:tailEnd type="triangle"/>
+          </a:ln>
+        </p:spPr>
+        <p:style>
+          <a:lnRef idx="1">
+            <a:schemeClr val="accent1"/>
+          </a:lnRef>
+          <a:fillRef idx="0">
+            <a:schemeClr val="accent1"/>
+          </a:fillRef>
+          <a:effectRef idx="0">
+            <a:schemeClr val="accent1"/>
+          </a:effectRef>
+          <a:fontRef idx="minor">
+            <a:schemeClr val="tx1"/>
+          </a:fontRef>
+        </p:style>
+      </p:cxnSp>
+      <p:cxnSp>
+        <p:nvCxnSpPr>
+          <p:cNvPr id="19" name="直線單箭頭接點 18">
+            <a:extLst>
+              <a:ext uri="{FF2B5EF4-FFF2-40B4-BE49-F238E27FC236}">
+                <a16:creationId xmlns:a16="http://schemas.microsoft.com/office/drawing/2014/main" id="{B790488A-4923-4C17-992A-37863184DA7E}"/>
+              </a:ext>
+            </a:extLst>
+          </p:cNvPr>
+          <p:cNvCxnSpPr>
+            <a:cxnSpLocks/>
+            <a:stCxn id="4" idx="6"/>
+            <a:endCxn id="8" idx="2"/>
+          </p:cNvCxnSpPr>
+          <p:nvPr/>
+        </p:nvCxnSpPr>
+        <p:spPr>
+          <a:xfrm>
+            <a:off x="3288484" y="1325461"/>
+            <a:ext cx="1712753" cy="1511416"/>
+          </a:xfrm>
+          <a:prstGeom prst="straightConnector1">
+            <a:avLst/>
+          </a:prstGeom>
+          <a:ln w="57150">
+            <a:solidFill>
+              <a:schemeClr val="tx1"/>
+            </a:solidFill>
+            <a:tailEnd type="triangle"/>
+          </a:ln>
+        </p:spPr>
+        <p:style>
+          <a:lnRef idx="1">
+            <a:schemeClr val="accent1"/>
+          </a:lnRef>
+          <a:fillRef idx="0">
+            <a:schemeClr val="accent1"/>
+          </a:fillRef>
+          <a:effectRef idx="0">
+            <a:schemeClr val="accent1"/>
+          </a:effectRef>
+          <a:fontRef idx="minor">
+            <a:schemeClr val="tx1"/>
+          </a:fontRef>
+        </p:style>
+      </p:cxnSp>
+      <p:cxnSp>
+        <p:nvCxnSpPr>
+          <p:cNvPr id="22" name="直線單箭頭接點 21">
+            <a:extLst>
+              <a:ext uri="{FF2B5EF4-FFF2-40B4-BE49-F238E27FC236}">
+                <a16:creationId xmlns:a16="http://schemas.microsoft.com/office/drawing/2014/main" id="{528FD7C1-6B3E-4615-AA04-9C70540C8091}"/>
+              </a:ext>
+            </a:extLst>
+          </p:cNvPr>
+          <p:cNvCxnSpPr>
+            <a:cxnSpLocks/>
+            <a:stCxn id="4" idx="6"/>
+            <a:endCxn id="9" idx="2"/>
+          </p:cNvCxnSpPr>
+          <p:nvPr/>
+        </p:nvCxnSpPr>
+        <p:spPr>
+          <a:xfrm>
+            <a:off x="3288484" y="1325461"/>
+            <a:ext cx="1712752" cy="3022832"/>
+          </a:xfrm>
+          <a:prstGeom prst="straightConnector1">
+            <a:avLst/>
+          </a:prstGeom>
+          <a:ln w="57150">
+            <a:solidFill>
+              <a:schemeClr val="tx1"/>
+            </a:solidFill>
+            <a:tailEnd type="triangle"/>
+          </a:ln>
+        </p:spPr>
+        <p:style>
+          <a:lnRef idx="1">
+            <a:schemeClr val="accent1"/>
+          </a:lnRef>
+          <a:fillRef idx="0">
+            <a:schemeClr val="accent1"/>
+          </a:fillRef>
+          <a:effectRef idx="0">
+            <a:schemeClr val="accent1"/>
+          </a:effectRef>
+          <a:fontRef idx="minor">
+            <a:schemeClr val="tx1"/>
+          </a:fontRef>
+        </p:style>
+      </p:cxnSp>
+      <p:cxnSp>
+        <p:nvCxnSpPr>
+          <p:cNvPr id="25" name="直線單箭頭接點 24">
+            <a:extLst>
+              <a:ext uri="{FF2B5EF4-FFF2-40B4-BE49-F238E27FC236}">
+                <a16:creationId xmlns:a16="http://schemas.microsoft.com/office/drawing/2014/main" id="{A4ED1AB1-16FF-4965-BB01-2C9645BE7AD9}"/>
+              </a:ext>
+            </a:extLst>
+          </p:cNvPr>
+          <p:cNvCxnSpPr>
+            <a:cxnSpLocks/>
+            <a:stCxn id="5" idx="6"/>
+            <a:endCxn id="7" idx="3"/>
+          </p:cNvCxnSpPr>
+          <p:nvPr/>
+        </p:nvCxnSpPr>
+        <p:spPr>
+          <a:xfrm flipV="1">
+            <a:off x="3288484" y="1598328"/>
+            <a:ext cx="1827007" cy="1238549"/>
+          </a:xfrm>
+          <a:prstGeom prst="straightConnector1">
+            <a:avLst/>
+          </a:prstGeom>
+          <a:ln w="57150">
+            <a:solidFill>
+              <a:schemeClr val="tx1"/>
+            </a:solidFill>
+            <a:tailEnd type="triangle"/>
+          </a:ln>
+        </p:spPr>
+        <p:style>
+          <a:lnRef idx="1">
+            <a:schemeClr val="accent1"/>
+          </a:lnRef>
+          <a:fillRef idx="0">
+            <a:schemeClr val="accent1"/>
+          </a:fillRef>
+          <a:effectRef idx="0">
+            <a:schemeClr val="accent1"/>
+          </a:effectRef>
+          <a:fontRef idx="minor">
+            <a:schemeClr val="tx1"/>
+          </a:fontRef>
+        </p:style>
+      </p:cxnSp>
+      <p:cxnSp>
+        <p:nvCxnSpPr>
+          <p:cNvPr id="29" name="直線單箭頭接點 28">
+            <a:extLst>
+              <a:ext uri="{FF2B5EF4-FFF2-40B4-BE49-F238E27FC236}">
+                <a16:creationId xmlns:a16="http://schemas.microsoft.com/office/drawing/2014/main" id="{4ED9A2CA-B4CD-4D1C-BB1F-7FC2A057277E}"/>
+              </a:ext>
+            </a:extLst>
+          </p:cNvPr>
+          <p:cNvCxnSpPr>
+            <a:cxnSpLocks/>
+            <a:stCxn id="6" idx="6"/>
+            <a:endCxn id="9" idx="2"/>
+          </p:cNvCxnSpPr>
+          <p:nvPr/>
+        </p:nvCxnSpPr>
+        <p:spPr>
+          <a:xfrm>
+            <a:off x="3288483" y="4348293"/>
+            <a:ext cx="1712753" cy="0"/>
+          </a:xfrm>
+          <a:prstGeom prst="straightConnector1">
+            <a:avLst/>
+          </a:prstGeom>
+          <a:ln w="57150">
+            <a:solidFill>
+              <a:schemeClr val="tx1"/>
+            </a:solidFill>
+            <a:tailEnd type="triangle"/>
+          </a:ln>
+        </p:spPr>
+        <p:style>
+          <a:lnRef idx="1">
+            <a:schemeClr val="accent1"/>
+          </a:lnRef>
+          <a:fillRef idx="0">
+            <a:schemeClr val="accent1"/>
+          </a:fillRef>
+          <a:effectRef idx="0">
+            <a:schemeClr val="accent1"/>
+          </a:effectRef>
+          <a:fontRef idx="minor">
+            <a:schemeClr val="tx1"/>
+          </a:fontRef>
+        </p:style>
+      </p:cxnSp>
+      <p:cxnSp>
+        <p:nvCxnSpPr>
+          <p:cNvPr id="32" name="直線單箭頭接點 31">
+            <a:extLst>
+              <a:ext uri="{FF2B5EF4-FFF2-40B4-BE49-F238E27FC236}">
+                <a16:creationId xmlns:a16="http://schemas.microsoft.com/office/drawing/2014/main" id="{016B4333-2ACC-45A1-9504-50C15ECF562C}"/>
+              </a:ext>
+            </a:extLst>
+          </p:cNvPr>
+          <p:cNvCxnSpPr>
+            <a:cxnSpLocks/>
+          </p:cNvCxnSpPr>
+          <p:nvPr/>
+        </p:nvCxnSpPr>
+        <p:spPr>
+          <a:xfrm>
+            <a:off x="5781412" y="1325461"/>
+            <a:ext cx="1712753" cy="0"/>
+          </a:xfrm>
+          <a:prstGeom prst="straightConnector1">
+            <a:avLst/>
+          </a:prstGeom>
+          <a:ln w="57150">
+            <a:solidFill>
+              <a:schemeClr val="tx1"/>
+            </a:solidFill>
+            <a:tailEnd type="triangle"/>
+          </a:ln>
+        </p:spPr>
+        <p:style>
+          <a:lnRef idx="1">
+            <a:schemeClr val="accent1"/>
+          </a:lnRef>
+          <a:fillRef idx="0">
+            <a:schemeClr val="accent1"/>
+          </a:fillRef>
+          <a:effectRef idx="0">
+            <a:schemeClr val="accent1"/>
+          </a:effectRef>
+          <a:fontRef idx="minor">
+            <a:schemeClr val="tx1"/>
+          </a:fontRef>
+        </p:style>
+      </p:cxnSp>
+      <p:cxnSp>
+        <p:nvCxnSpPr>
+          <p:cNvPr id="33" name="直線單箭頭接點 32">
+            <a:extLst>
+              <a:ext uri="{FF2B5EF4-FFF2-40B4-BE49-F238E27FC236}">
+                <a16:creationId xmlns:a16="http://schemas.microsoft.com/office/drawing/2014/main" id="{82BCF21C-713A-4475-9681-CC2206905078}"/>
+              </a:ext>
+            </a:extLst>
+          </p:cNvPr>
+          <p:cNvCxnSpPr>
+            <a:cxnSpLocks/>
+          </p:cNvCxnSpPr>
+          <p:nvPr/>
+        </p:nvCxnSpPr>
+        <p:spPr>
+          <a:xfrm>
+            <a:off x="5781412" y="1325461"/>
+            <a:ext cx="1712753" cy="1511416"/>
+          </a:xfrm>
+          <a:prstGeom prst="straightConnector1">
+            <a:avLst/>
+          </a:prstGeom>
+          <a:ln w="57150">
+            <a:solidFill>
+              <a:schemeClr val="tx1"/>
+            </a:solidFill>
+            <a:tailEnd type="triangle"/>
+          </a:ln>
+        </p:spPr>
+        <p:style>
+          <a:lnRef idx="1">
+            <a:schemeClr val="accent1"/>
+          </a:lnRef>
+          <a:fillRef idx="0">
+            <a:schemeClr val="accent1"/>
+          </a:fillRef>
+          <a:effectRef idx="0">
+            <a:schemeClr val="accent1"/>
+          </a:effectRef>
+          <a:fontRef idx="minor">
+            <a:schemeClr val="tx1"/>
+          </a:fontRef>
+        </p:style>
+      </p:cxnSp>
+      <p:cxnSp>
+        <p:nvCxnSpPr>
+          <p:cNvPr id="34" name="直線單箭頭接點 33">
+            <a:extLst>
+              <a:ext uri="{FF2B5EF4-FFF2-40B4-BE49-F238E27FC236}">
+                <a16:creationId xmlns:a16="http://schemas.microsoft.com/office/drawing/2014/main" id="{71F4962B-D2F4-4AC1-BF70-92C5EF00CBCF}"/>
+              </a:ext>
+            </a:extLst>
+          </p:cNvPr>
+          <p:cNvCxnSpPr>
+            <a:cxnSpLocks/>
+          </p:cNvCxnSpPr>
+          <p:nvPr/>
+        </p:nvCxnSpPr>
+        <p:spPr>
+          <a:xfrm>
+            <a:off x="5781412" y="1325461"/>
+            <a:ext cx="1712752" cy="3022832"/>
+          </a:xfrm>
+          <a:prstGeom prst="straightConnector1">
+            <a:avLst/>
+          </a:prstGeom>
+          <a:ln w="57150">
+            <a:solidFill>
+              <a:schemeClr val="tx1"/>
+            </a:solidFill>
+            <a:tailEnd type="triangle"/>
+          </a:ln>
+        </p:spPr>
+        <p:style>
+          <a:lnRef idx="1">
+            <a:schemeClr val="accent1"/>
+          </a:lnRef>
+          <a:fillRef idx="0">
+            <a:schemeClr val="accent1"/>
+          </a:fillRef>
+          <a:effectRef idx="0">
+            <a:schemeClr val="accent1"/>
+          </a:effectRef>
+          <a:fontRef idx="minor">
+            <a:schemeClr val="tx1"/>
+          </a:fontRef>
+        </p:style>
+      </p:cxnSp>
+      <p:cxnSp>
+        <p:nvCxnSpPr>
+          <p:cNvPr id="35" name="直線單箭頭接點 34">
+            <a:extLst>
+              <a:ext uri="{FF2B5EF4-FFF2-40B4-BE49-F238E27FC236}">
+                <a16:creationId xmlns:a16="http://schemas.microsoft.com/office/drawing/2014/main" id="{536C7A5E-E3BA-4CA3-AD2C-5B3158B55F9A}"/>
+              </a:ext>
+            </a:extLst>
+          </p:cNvPr>
+          <p:cNvCxnSpPr>
+            <a:cxnSpLocks/>
+          </p:cNvCxnSpPr>
+          <p:nvPr/>
+        </p:nvCxnSpPr>
+        <p:spPr>
+          <a:xfrm flipV="1">
+            <a:off x="5781412" y="1598328"/>
+            <a:ext cx="1827007" cy="1238549"/>
+          </a:xfrm>
+          <a:prstGeom prst="straightConnector1">
+            <a:avLst/>
+          </a:prstGeom>
+          <a:ln w="57150">
+            <a:solidFill>
+              <a:schemeClr val="tx1"/>
+            </a:solidFill>
+            <a:tailEnd type="triangle"/>
+          </a:ln>
+        </p:spPr>
+        <p:style>
+          <a:lnRef idx="1">
+            <a:schemeClr val="accent1"/>
+          </a:lnRef>
+          <a:fillRef idx="0">
+            <a:schemeClr val="accent1"/>
+          </a:fillRef>
+          <a:effectRef idx="0">
+            <a:schemeClr val="accent1"/>
+          </a:effectRef>
+          <a:fontRef idx="minor">
+            <a:schemeClr val="tx1"/>
+          </a:fontRef>
+        </p:style>
+      </p:cxnSp>
+      <p:cxnSp>
+        <p:nvCxnSpPr>
+          <p:cNvPr id="36" name="直線單箭頭接點 35">
+            <a:extLst>
+              <a:ext uri="{FF2B5EF4-FFF2-40B4-BE49-F238E27FC236}">
+                <a16:creationId xmlns:a16="http://schemas.microsoft.com/office/drawing/2014/main" id="{267F673A-9AD7-41A0-B6E1-6F65AA61456D}"/>
+              </a:ext>
+            </a:extLst>
+          </p:cNvPr>
+          <p:cNvCxnSpPr>
+            <a:cxnSpLocks/>
+          </p:cNvCxnSpPr>
+          <p:nvPr/>
+        </p:nvCxnSpPr>
+        <p:spPr>
+          <a:xfrm>
+            <a:off x="5781411" y="4348293"/>
+            <a:ext cx="1712753" cy="0"/>
+          </a:xfrm>
+          <a:prstGeom prst="straightConnector1">
+            <a:avLst/>
+          </a:prstGeom>
+          <a:ln w="57150">
+            <a:solidFill>
+              <a:schemeClr val="tx1"/>
+            </a:solidFill>
+            <a:tailEnd type="triangle"/>
+          </a:ln>
+        </p:spPr>
+        <p:style>
+          <a:lnRef idx="1">
+            <a:schemeClr val="accent1"/>
+          </a:lnRef>
+          <a:fillRef idx="0">
+            <a:schemeClr val="accent1"/>
+          </a:fillRef>
+          <a:effectRef idx="0">
+            <a:schemeClr val="accent1"/>
+          </a:effectRef>
+          <a:fontRef idx="minor">
+            <a:schemeClr val="tx1"/>
+          </a:fontRef>
+        </p:style>
+      </p:cxnSp>
+    </p:spTree>
+    <p:extLst>
+      <p:ext uri="{BB962C8B-B14F-4D97-AF65-F5344CB8AC3E}">
+        <p14:creationId xmlns:p14="http://schemas.microsoft.com/office/powerpoint/2010/main" val="4160582103"/>
       </p:ext>
     </p:extLst>
   </p:cSld>
@@ -19282,6 +20463,2653 @@
 </p:sld>
 </file>
 
+<file path=ppt/slides/slide9.xml><?xml version="1.0" encoding="utf-8"?>
+<p:sld xmlns:a="http://schemas.openxmlformats.org/drawingml/2006/main" xmlns:r="http://schemas.openxmlformats.org/officeDocument/2006/relationships" xmlns:p="http://schemas.openxmlformats.org/presentationml/2006/main">
+  <p:cSld>
+    <p:spTree>
+      <p:nvGrpSpPr>
+        <p:cNvPr id="1" name=""/>
+        <p:cNvGrpSpPr/>
+        <p:nvPr/>
+      </p:nvGrpSpPr>
+      <p:grpSpPr>
+        <a:xfrm>
+          <a:off x="0" y="0"/>
+          <a:ext cx="0" cy="0"/>
+          <a:chOff x="0" y="0"/>
+          <a:chExt cx="0" cy="0"/>
+        </a:xfrm>
+      </p:grpSpPr>
+      <p:sp>
+        <p:nvSpPr>
+          <p:cNvPr id="4" name="矩形 3">
+            <a:extLst>
+              <a:ext uri="{FF2B5EF4-FFF2-40B4-BE49-F238E27FC236}">
+                <a16:creationId xmlns:a16="http://schemas.microsoft.com/office/drawing/2014/main" id="{3ADA7650-418B-49B7-ACEC-7424DE8BC67E}"/>
+              </a:ext>
+            </a:extLst>
+          </p:cNvPr>
+          <p:cNvSpPr/>
+          <p:nvPr/>
+        </p:nvSpPr>
+        <p:spPr>
+          <a:xfrm>
+            <a:off x="539119" y="2256725"/>
+            <a:ext cx="699796" cy="709127"/>
+          </a:xfrm>
+          <a:prstGeom prst="rect">
+            <a:avLst/>
+          </a:prstGeom>
+          <a:noFill/>
+          <a:ln w="57150">
+            <a:solidFill>
+              <a:schemeClr val="tx1"/>
+            </a:solidFill>
+          </a:ln>
+        </p:spPr>
+        <p:style>
+          <a:lnRef idx="2">
+            <a:schemeClr val="accent1">
+              <a:shade val="50000"/>
+            </a:schemeClr>
+          </a:lnRef>
+          <a:fillRef idx="1">
+            <a:schemeClr val="accent1"/>
+          </a:fillRef>
+          <a:effectRef idx="0">
+            <a:schemeClr val="accent1"/>
+          </a:effectRef>
+          <a:fontRef idx="minor">
+            <a:schemeClr val="lt1"/>
+          </a:fontRef>
+        </p:style>
+        <p:txBody>
+          <a:bodyPr rtlCol="0" anchor="ctr"/>
+          <a:lstStyle/>
+          <a:p>
+            <a:pPr algn="ctr"/>
+            <a:r>
+              <a:rPr lang="en-US" sz="2800" b="1" dirty="0">
+                <a:solidFill>
+                  <a:schemeClr val="tx1"/>
+                </a:solidFill>
+              </a:rPr>
+              <a:t>a</a:t>
+            </a:r>
+          </a:p>
+        </p:txBody>
+      </p:sp>
+      <p:sp>
+        <p:nvSpPr>
+          <p:cNvPr id="5" name="矩形 4">
+            <a:extLst>
+              <a:ext uri="{FF2B5EF4-FFF2-40B4-BE49-F238E27FC236}">
+                <a16:creationId xmlns:a16="http://schemas.microsoft.com/office/drawing/2014/main" id="{9B745021-5B7E-44E1-8272-55C67409F789}"/>
+              </a:ext>
+            </a:extLst>
+          </p:cNvPr>
+          <p:cNvSpPr/>
+          <p:nvPr/>
+        </p:nvSpPr>
+        <p:spPr>
+          <a:xfrm>
+            <a:off x="1238915" y="2256724"/>
+            <a:ext cx="699796" cy="709127"/>
+          </a:xfrm>
+          <a:prstGeom prst="rect">
+            <a:avLst/>
+          </a:prstGeom>
+          <a:noFill/>
+          <a:ln w="57150">
+            <a:solidFill>
+              <a:schemeClr val="tx1"/>
+            </a:solidFill>
+          </a:ln>
+        </p:spPr>
+        <p:style>
+          <a:lnRef idx="2">
+            <a:schemeClr val="accent1">
+              <a:shade val="50000"/>
+            </a:schemeClr>
+          </a:lnRef>
+          <a:fillRef idx="1">
+            <a:schemeClr val="accent1"/>
+          </a:fillRef>
+          <a:effectRef idx="0">
+            <a:schemeClr val="accent1"/>
+          </a:effectRef>
+          <a:fontRef idx="minor">
+            <a:schemeClr val="lt1"/>
+          </a:fontRef>
+        </p:style>
+        <p:txBody>
+          <a:bodyPr rtlCol="0" anchor="ctr"/>
+          <a:lstStyle/>
+          <a:p>
+            <a:pPr algn="ctr"/>
+            <a:r>
+              <a:rPr lang="en-US" sz="2800" b="1" dirty="0">
+                <a:solidFill>
+                  <a:schemeClr val="tx1"/>
+                </a:solidFill>
+              </a:rPr>
+              <a:t>b</a:t>
+            </a:r>
+          </a:p>
+        </p:txBody>
+      </p:sp>
+      <p:sp>
+        <p:nvSpPr>
+          <p:cNvPr id="6" name="矩形 5">
+            <a:extLst>
+              <a:ext uri="{FF2B5EF4-FFF2-40B4-BE49-F238E27FC236}">
+                <a16:creationId xmlns:a16="http://schemas.microsoft.com/office/drawing/2014/main" id="{D20A974A-861A-4663-A465-B937A24E6333}"/>
+              </a:ext>
+            </a:extLst>
+          </p:cNvPr>
+          <p:cNvSpPr/>
+          <p:nvPr/>
+        </p:nvSpPr>
+        <p:spPr>
+          <a:xfrm>
+            <a:off x="1938711" y="2256725"/>
+            <a:ext cx="699796" cy="709127"/>
+          </a:xfrm>
+          <a:prstGeom prst="rect">
+            <a:avLst/>
+          </a:prstGeom>
+          <a:noFill/>
+          <a:ln w="57150">
+            <a:solidFill>
+              <a:schemeClr val="tx1"/>
+            </a:solidFill>
+          </a:ln>
+        </p:spPr>
+        <p:style>
+          <a:lnRef idx="2">
+            <a:schemeClr val="accent1">
+              <a:shade val="50000"/>
+            </a:schemeClr>
+          </a:lnRef>
+          <a:fillRef idx="1">
+            <a:schemeClr val="accent1"/>
+          </a:fillRef>
+          <a:effectRef idx="0">
+            <a:schemeClr val="accent1"/>
+          </a:effectRef>
+          <a:fontRef idx="minor">
+            <a:schemeClr val="lt1"/>
+          </a:fontRef>
+        </p:style>
+        <p:txBody>
+          <a:bodyPr rtlCol="0" anchor="ctr"/>
+          <a:lstStyle/>
+          <a:p>
+            <a:pPr algn="ctr"/>
+            <a:r>
+              <a:rPr lang="en-US" sz="2800" b="1" dirty="0">
+                <a:solidFill>
+                  <a:schemeClr val="tx1"/>
+                </a:solidFill>
+              </a:rPr>
+              <a:t>c</a:t>
+            </a:r>
+          </a:p>
+        </p:txBody>
+      </p:sp>
+      <p:sp>
+        <p:nvSpPr>
+          <p:cNvPr id="7" name="矩形 6">
+            <a:extLst>
+              <a:ext uri="{FF2B5EF4-FFF2-40B4-BE49-F238E27FC236}">
+                <a16:creationId xmlns:a16="http://schemas.microsoft.com/office/drawing/2014/main" id="{A152A222-E5E2-441F-8C43-E03F58908002}"/>
+              </a:ext>
+            </a:extLst>
+          </p:cNvPr>
+          <p:cNvSpPr/>
+          <p:nvPr/>
+        </p:nvSpPr>
+        <p:spPr>
+          <a:xfrm>
+            <a:off x="2638507" y="2256724"/>
+            <a:ext cx="699796" cy="709127"/>
+          </a:xfrm>
+          <a:prstGeom prst="rect">
+            <a:avLst/>
+          </a:prstGeom>
+          <a:noFill/>
+          <a:ln w="57150">
+            <a:solidFill>
+              <a:schemeClr val="tx1"/>
+            </a:solidFill>
+          </a:ln>
+        </p:spPr>
+        <p:style>
+          <a:lnRef idx="2">
+            <a:schemeClr val="accent1">
+              <a:shade val="50000"/>
+            </a:schemeClr>
+          </a:lnRef>
+          <a:fillRef idx="1">
+            <a:schemeClr val="accent1"/>
+          </a:fillRef>
+          <a:effectRef idx="0">
+            <a:schemeClr val="accent1"/>
+          </a:effectRef>
+          <a:fontRef idx="minor">
+            <a:schemeClr val="lt1"/>
+          </a:fontRef>
+        </p:style>
+        <p:txBody>
+          <a:bodyPr rtlCol="0" anchor="ctr"/>
+          <a:lstStyle/>
+          <a:p>
+            <a:pPr algn="ctr"/>
+            <a:r>
+              <a:rPr lang="en-US" sz="2800" b="1" dirty="0">
+                <a:solidFill>
+                  <a:schemeClr val="tx1"/>
+                </a:solidFill>
+              </a:rPr>
+              <a:t>d</a:t>
+            </a:r>
+          </a:p>
+        </p:txBody>
+      </p:sp>
+      <p:sp>
+        <p:nvSpPr>
+          <p:cNvPr id="8" name="矩形 7">
+            <a:extLst>
+              <a:ext uri="{FF2B5EF4-FFF2-40B4-BE49-F238E27FC236}">
+                <a16:creationId xmlns:a16="http://schemas.microsoft.com/office/drawing/2014/main" id="{832F9208-F6D1-4137-8A04-F8C6A43E592A}"/>
+              </a:ext>
+            </a:extLst>
+          </p:cNvPr>
+          <p:cNvSpPr/>
+          <p:nvPr/>
+        </p:nvSpPr>
+        <p:spPr>
+          <a:xfrm>
+            <a:off x="3338303" y="2256724"/>
+            <a:ext cx="699796" cy="709127"/>
+          </a:xfrm>
+          <a:prstGeom prst="rect">
+            <a:avLst/>
+          </a:prstGeom>
+          <a:noFill/>
+          <a:ln w="57150">
+            <a:solidFill>
+              <a:schemeClr val="tx1"/>
+            </a:solidFill>
+          </a:ln>
+        </p:spPr>
+        <p:style>
+          <a:lnRef idx="2">
+            <a:schemeClr val="accent1">
+              <a:shade val="50000"/>
+            </a:schemeClr>
+          </a:lnRef>
+          <a:fillRef idx="1">
+            <a:schemeClr val="accent1"/>
+          </a:fillRef>
+          <a:effectRef idx="0">
+            <a:schemeClr val="accent1"/>
+          </a:effectRef>
+          <a:fontRef idx="minor">
+            <a:schemeClr val="lt1"/>
+          </a:fontRef>
+        </p:style>
+        <p:txBody>
+          <a:bodyPr rtlCol="0" anchor="ctr"/>
+          <a:lstStyle/>
+          <a:p>
+            <a:pPr algn="ctr"/>
+            <a:r>
+              <a:rPr lang="en-US" sz="2800" b="1" dirty="0">
+                <a:solidFill>
+                  <a:schemeClr val="tx1"/>
+                </a:solidFill>
+              </a:rPr>
+              <a:t>f</a:t>
+            </a:r>
+          </a:p>
+        </p:txBody>
+      </p:sp>
+      <p:sp>
+        <p:nvSpPr>
+          <p:cNvPr id="9" name="矩形 8">
+            <a:extLst>
+              <a:ext uri="{FF2B5EF4-FFF2-40B4-BE49-F238E27FC236}">
+                <a16:creationId xmlns:a16="http://schemas.microsoft.com/office/drawing/2014/main" id="{15E28C7A-CD0B-4F4C-B0F0-9F3CC9913CE4}"/>
+              </a:ext>
+            </a:extLst>
+          </p:cNvPr>
+          <p:cNvSpPr/>
+          <p:nvPr/>
+        </p:nvSpPr>
+        <p:spPr>
+          <a:xfrm>
+            <a:off x="4038099" y="2256723"/>
+            <a:ext cx="699796" cy="709127"/>
+          </a:xfrm>
+          <a:prstGeom prst="rect">
+            <a:avLst/>
+          </a:prstGeom>
+          <a:noFill/>
+          <a:ln w="57150">
+            <a:solidFill>
+              <a:schemeClr val="tx1"/>
+            </a:solidFill>
+          </a:ln>
+        </p:spPr>
+        <p:style>
+          <a:lnRef idx="2">
+            <a:schemeClr val="accent1">
+              <a:shade val="50000"/>
+            </a:schemeClr>
+          </a:lnRef>
+          <a:fillRef idx="1">
+            <a:schemeClr val="accent1"/>
+          </a:fillRef>
+          <a:effectRef idx="0">
+            <a:schemeClr val="accent1"/>
+          </a:effectRef>
+          <a:fontRef idx="minor">
+            <a:schemeClr val="lt1"/>
+          </a:fontRef>
+        </p:style>
+        <p:txBody>
+          <a:bodyPr rtlCol="0" anchor="ctr"/>
+          <a:lstStyle/>
+          <a:p>
+            <a:pPr algn="ctr"/>
+            <a:r>
+              <a:rPr lang="en-US" sz="2800" b="1" dirty="0">
+                <a:solidFill>
+                  <a:schemeClr val="tx1"/>
+                </a:solidFill>
+              </a:rPr>
+              <a:t>a</a:t>
+            </a:r>
+          </a:p>
+        </p:txBody>
+      </p:sp>
+      <p:sp>
+        <p:nvSpPr>
+          <p:cNvPr id="13" name="矩形 12">
+            <a:extLst>
+              <a:ext uri="{FF2B5EF4-FFF2-40B4-BE49-F238E27FC236}">
+                <a16:creationId xmlns:a16="http://schemas.microsoft.com/office/drawing/2014/main" id="{F5AB660F-C356-4508-B769-3F604D644033}"/>
+              </a:ext>
+            </a:extLst>
+          </p:cNvPr>
+          <p:cNvSpPr/>
+          <p:nvPr/>
+        </p:nvSpPr>
+        <p:spPr>
+          <a:xfrm>
+            <a:off x="539119" y="3487252"/>
+            <a:ext cx="699796" cy="709127"/>
+          </a:xfrm>
+          <a:prstGeom prst="rect">
+            <a:avLst/>
+          </a:prstGeom>
+          <a:noFill/>
+          <a:ln w="57150">
+            <a:solidFill>
+              <a:schemeClr val="tx1"/>
+            </a:solidFill>
+          </a:ln>
+        </p:spPr>
+        <p:style>
+          <a:lnRef idx="2">
+            <a:schemeClr val="accent1">
+              <a:shade val="50000"/>
+            </a:schemeClr>
+          </a:lnRef>
+          <a:fillRef idx="1">
+            <a:schemeClr val="accent1"/>
+          </a:fillRef>
+          <a:effectRef idx="0">
+            <a:schemeClr val="accent1"/>
+          </a:effectRef>
+          <a:fontRef idx="minor">
+            <a:schemeClr val="lt1"/>
+          </a:fontRef>
+        </p:style>
+        <p:txBody>
+          <a:bodyPr rtlCol="0" anchor="ctr"/>
+          <a:lstStyle/>
+          <a:p>
+            <a:pPr algn="ctr"/>
+            <a:r>
+              <a:rPr lang="en-US" sz="2800" b="1" dirty="0">
+                <a:solidFill>
+                  <a:schemeClr val="tx1"/>
+                </a:solidFill>
+              </a:rPr>
+              <a:t>d</a:t>
+            </a:r>
+          </a:p>
+        </p:txBody>
+      </p:sp>
+      <p:sp>
+        <p:nvSpPr>
+          <p:cNvPr id="14" name="矩形 13">
+            <a:extLst>
+              <a:ext uri="{FF2B5EF4-FFF2-40B4-BE49-F238E27FC236}">
+                <a16:creationId xmlns:a16="http://schemas.microsoft.com/office/drawing/2014/main" id="{6AF03B51-2E5B-4796-9C79-A7353402FF4C}"/>
+              </a:ext>
+            </a:extLst>
+          </p:cNvPr>
+          <p:cNvSpPr/>
+          <p:nvPr/>
+        </p:nvSpPr>
+        <p:spPr>
+          <a:xfrm>
+            <a:off x="1238915" y="3487251"/>
+            <a:ext cx="699796" cy="709127"/>
+          </a:xfrm>
+          <a:prstGeom prst="rect">
+            <a:avLst/>
+          </a:prstGeom>
+          <a:noFill/>
+          <a:ln w="57150">
+            <a:solidFill>
+              <a:schemeClr val="tx1"/>
+            </a:solidFill>
+          </a:ln>
+        </p:spPr>
+        <p:style>
+          <a:lnRef idx="2">
+            <a:schemeClr val="accent1">
+              <a:shade val="50000"/>
+            </a:schemeClr>
+          </a:lnRef>
+          <a:fillRef idx="1">
+            <a:schemeClr val="accent1"/>
+          </a:fillRef>
+          <a:effectRef idx="0">
+            <a:schemeClr val="accent1"/>
+          </a:effectRef>
+          <a:fontRef idx="minor">
+            <a:schemeClr val="lt1"/>
+          </a:fontRef>
+        </p:style>
+        <p:txBody>
+          <a:bodyPr rtlCol="0" anchor="ctr"/>
+          <a:lstStyle/>
+          <a:p>
+            <a:pPr algn="ctr"/>
+            <a:r>
+              <a:rPr lang="en-US" sz="2800" b="1" dirty="0">
+                <a:solidFill>
+                  <a:schemeClr val="tx1"/>
+                </a:solidFill>
+              </a:rPr>
+              <a:t>b</a:t>
+            </a:r>
+          </a:p>
+        </p:txBody>
+      </p:sp>
+      <p:sp>
+        <p:nvSpPr>
+          <p:cNvPr id="15" name="矩形 14">
+            <a:extLst>
+              <a:ext uri="{FF2B5EF4-FFF2-40B4-BE49-F238E27FC236}">
+                <a16:creationId xmlns:a16="http://schemas.microsoft.com/office/drawing/2014/main" id="{917EBA2B-8279-400C-81F0-80941822359A}"/>
+              </a:ext>
+            </a:extLst>
+          </p:cNvPr>
+          <p:cNvSpPr/>
+          <p:nvPr/>
+        </p:nvSpPr>
+        <p:spPr>
+          <a:xfrm>
+            <a:off x="1938711" y="3487252"/>
+            <a:ext cx="699796" cy="709127"/>
+          </a:xfrm>
+          <a:prstGeom prst="rect">
+            <a:avLst/>
+          </a:prstGeom>
+          <a:noFill/>
+          <a:ln w="57150">
+            <a:solidFill>
+              <a:schemeClr val="tx1"/>
+            </a:solidFill>
+          </a:ln>
+        </p:spPr>
+        <p:style>
+          <a:lnRef idx="2">
+            <a:schemeClr val="accent1">
+              <a:shade val="50000"/>
+            </a:schemeClr>
+          </a:lnRef>
+          <a:fillRef idx="1">
+            <a:schemeClr val="accent1"/>
+          </a:fillRef>
+          <a:effectRef idx="0">
+            <a:schemeClr val="accent1"/>
+          </a:effectRef>
+          <a:fontRef idx="minor">
+            <a:schemeClr val="lt1"/>
+          </a:fontRef>
+        </p:style>
+        <p:txBody>
+          <a:bodyPr rtlCol="0" anchor="ctr"/>
+          <a:lstStyle/>
+          <a:p>
+            <a:pPr algn="ctr"/>
+            <a:r>
+              <a:rPr lang="en-US" sz="2800" b="1" dirty="0">
+                <a:solidFill>
+                  <a:schemeClr val="tx1"/>
+                </a:solidFill>
+              </a:rPr>
+              <a:t>c</a:t>
+            </a:r>
+          </a:p>
+        </p:txBody>
+      </p:sp>
+      <p:sp>
+        <p:nvSpPr>
+          <p:cNvPr id="16" name="矩形 15">
+            <a:extLst>
+              <a:ext uri="{FF2B5EF4-FFF2-40B4-BE49-F238E27FC236}">
+                <a16:creationId xmlns:a16="http://schemas.microsoft.com/office/drawing/2014/main" id="{84F647C3-6B64-4093-90DB-B0ACD5D28630}"/>
+              </a:ext>
+            </a:extLst>
+          </p:cNvPr>
+          <p:cNvSpPr/>
+          <p:nvPr/>
+        </p:nvSpPr>
+        <p:spPr>
+          <a:xfrm>
+            <a:off x="2638507" y="3487251"/>
+            <a:ext cx="699796" cy="709127"/>
+          </a:xfrm>
+          <a:prstGeom prst="rect">
+            <a:avLst/>
+          </a:prstGeom>
+          <a:noFill/>
+          <a:ln w="57150">
+            <a:solidFill>
+              <a:schemeClr val="tx1"/>
+            </a:solidFill>
+          </a:ln>
+        </p:spPr>
+        <p:style>
+          <a:lnRef idx="2">
+            <a:schemeClr val="accent1">
+              <a:shade val="50000"/>
+            </a:schemeClr>
+          </a:lnRef>
+          <a:fillRef idx="1">
+            <a:schemeClr val="accent1"/>
+          </a:fillRef>
+          <a:effectRef idx="0">
+            <a:schemeClr val="accent1"/>
+          </a:effectRef>
+          <a:fontRef idx="minor">
+            <a:schemeClr val="lt1"/>
+          </a:fontRef>
+        </p:style>
+        <p:txBody>
+          <a:bodyPr rtlCol="0" anchor="ctr"/>
+          <a:lstStyle/>
+          <a:p>
+            <a:pPr algn="ctr"/>
+            <a:r>
+              <a:rPr lang="en-US" sz="2800" b="1" dirty="0">
+                <a:solidFill>
+                  <a:schemeClr val="tx1"/>
+                </a:solidFill>
+              </a:rPr>
+              <a:t>x</a:t>
+            </a:r>
+          </a:p>
+        </p:txBody>
+      </p:sp>
+      <p:sp>
+        <p:nvSpPr>
+          <p:cNvPr id="17" name="矩形 16">
+            <a:extLst>
+              <a:ext uri="{FF2B5EF4-FFF2-40B4-BE49-F238E27FC236}">
+                <a16:creationId xmlns:a16="http://schemas.microsoft.com/office/drawing/2014/main" id="{69878C07-9F1A-4ED2-BF28-545D01ABD17E}"/>
+              </a:ext>
+            </a:extLst>
+          </p:cNvPr>
+          <p:cNvSpPr/>
+          <p:nvPr/>
+        </p:nvSpPr>
+        <p:spPr>
+          <a:xfrm>
+            <a:off x="3338303" y="3487251"/>
+            <a:ext cx="699796" cy="709127"/>
+          </a:xfrm>
+          <a:prstGeom prst="rect">
+            <a:avLst/>
+          </a:prstGeom>
+          <a:noFill/>
+          <a:ln w="57150">
+            <a:solidFill>
+              <a:schemeClr val="tx1"/>
+            </a:solidFill>
+          </a:ln>
+        </p:spPr>
+        <p:style>
+          <a:lnRef idx="2">
+            <a:schemeClr val="accent1">
+              <a:shade val="50000"/>
+            </a:schemeClr>
+          </a:lnRef>
+          <a:fillRef idx="1">
+            <a:schemeClr val="accent1"/>
+          </a:fillRef>
+          <a:effectRef idx="0">
+            <a:schemeClr val="accent1"/>
+          </a:effectRef>
+          <a:fontRef idx="minor">
+            <a:schemeClr val="lt1"/>
+          </a:fontRef>
+        </p:style>
+        <p:txBody>
+          <a:bodyPr rtlCol="0" anchor="ctr"/>
+          <a:lstStyle/>
+          <a:p>
+            <a:pPr algn="ctr"/>
+            <a:r>
+              <a:rPr lang="en-US" sz="2800" b="1" dirty="0">
+                <a:solidFill>
+                  <a:schemeClr val="tx1"/>
+                </a:solidFill>
+              </a:rPr>
+              <a:t>a</a:t>
+            </a:r>
+          </a:p>
+        </p:txBody>
+      </p:sp>
+      <p:sp>
+        <p:nvSpPr>
+          <p:cNvPr id="18" name="箭號: 向右 17">
+            <a:extLst>
+              <a:ext uri="{FF2B5EF4-FFF2-40B4-BE49-F238E27FC236}">
+                <a16:creationId xmlns:a16="http://schemas.microsoft.com/office/drawing/2014/main" id="{27C98B51-2B15-44BE-805C-B0DD40C8F3C3}"/>
+              </a:ext>
+            </a:extLst>
+          </p:cNvPr>
+          <p:cNvSpPr/>
+          <p:nvPr/>
+        </p:nvSpPr>
+        <p:spPr>
+          <a:xfrm>
+            <a:off x="5060059" y="3074436"/>
+            <a:ext cx="1107347" cy="709127"/>
+          </a:xfrm>
+          <a:prstGeom prst="rightArrow">
+            <a:avLst/>
+          </a:prstGeom>
+        </p:spPr>
+        <p:style>
+          <a:lnRef idx="2">
+            <a:schemeClr val="accent1">
+              <a:shade val="50000"/>
+            </a:schemeClr>
+          </a:lnRef>
+          <a:fillRef idx="1">
+            <a:schemeClr val="accent1"/>
+          </a:fillRef>
+          <a:effectRef idx="0">
+            <a:schemeClr val="accent1"/>
+          </a:effectRef>
+          <a:fontRef idx="minor">
+            <a:schemeClr val="lt1"/>
+          </a:fontRef>
+        </p:style>
+        <p:txBody>
+          <a:bodyPr rtlCol="0" anchor="ctr"/>
+          <a:lstStyle/>
+          <a:p>
+            <a:pPr algn="ctr"/>
+            <a:endParaRPr lang="zh-TW" altLang="en-US"/>
+          </a:p>
+        </p:txBody>
+      </p:sp>
+      <p:sp>
+        <p:nvSpPr>
+          <p:cNvPr id="19" name="橢圓 18">
+            <a:extLst>
+              <a:ext uri="{FF2B5EF4-FFF2-40B4-BE49-F238E27FC236}">
+                <a16:creationId xmlns:a16="http://schemas.microsoft.com/office/drawing/2014/main" id="{B9E64654-E53C-4C63-849B-96448B0A7CB1}"/>
+              </a:ext>
+            </a:extLst>
+          </p:cNvPr>
+          <p:cNvSpPr/>
+          <p:nvPr/>
+        </p:nvSpPr>
+        <p:spPr>
+          <a:xfrm>
+            <a:off x="4123743" y="2357731"/>
+            <a:ext cx="528508" cy="507110"/>
+          </a:xfrm>
+          <a:prstGeom prst="ellipse">
+            <a:avLst/>
+          </a:prstGeom>
+          <a:noFill/>
+          <a:ln w="57150">
+            <a:solidFill>
+              <a:srgbClr val="FF0000"/>
+            </a:solidFill>
+          </a:ln>
+        </p:spPr>
+        <p:style>
+          <a:lnRef idx="2">
+            <a:schemeClr val="accent1">
+              <a:shade val="50000"/>
+            </a:schemeClr>
+          </a:lnRef>
+          <a:fillRef idx="1">
+            <a:schemeClr val="accent1"/>
+          </a:fillRef>
+          <a:effectRef idx="0">
+            <a:schemeClr val="accent1"/>
+          </a:effectRef>
+          <a:fontRef idx="minor">
+            <a:schemeClr val="lt1"/>
+          </a:fontRef>
+        </p:style>
+        <p:txBody>
+          <a:bodyPr rtlCol="0" anchor="ctr"/>
+          <a:lstStyle/>
+          <a:p>
+            <a:pPr algn="ctr"/>
+            <a:endParaRPr lang="zh-TW" altLang="en-US"/>
+          </a:p>
+        </p:txBody>
+      </p:sp>
+      <p:sp>
+        <p:nvSpPr>
+          <p:cNvPr id="20" name="橢圓 19">
+            <a:extLst>
+              <a:ext uri="{FF2B5EF4-FFF2-40B4-BE49-F238E27FC236}">
+                <a16:creationId xmlns:a16="http://schemas.microsoft.com/office/drawing/2014/main" id="{3107AFD6-7CAC-4336-8A0B-644AE15D92EE}"/>
+              </a:ext>
+            </a:extLst>
+          </p:cNvPr>
+          <p:cNvSpPr/>
+          <p:nvPr/>
+        </p:nvSpPr>
+        <p:spPr>
+          <a:xfrm>
+            <a:off x="3423947" y="3588259"/>
+            <a:ext cx="528508" cy="507110"/>
+          </a:xfrm>
+          <a:prstGeom prst="ellipse">
+            <a:avLst/>
+          </a:prstGeom>
+          <a:noFill/>
+          <a:ln w="57150">
+            <a:solidFill>
+              <a:srgbClr val="FF0000"/>
+            </a:solidFill>
+          </a:ln>
+        </p:spPr>
+        <p:style>
+          <a:lnRef idx="2">
+            <a:schemeClr val="accent1">
+              <a:shade val="50000"/>
+            </a:schemeClr>
+          </a:lnRef>
+          <a:fillRef idx="1">
+            <a:schemeClr val="accent1"/>
+          </a:fillRef>
+          <a:effectRef idx="0">
+            <a:schemeClr val="accent1"/>
+          </a:effectRef>
+          <a:fontRef idx="minor">
+            <a:schemeClr val="lt1"/>
+          </a:fontRef>
+        </p:style>
+        <p:txBody>
+          <a:bodyPr rtlCol="0" anchor="ctr"/>
+          <a:lstStyle/>
+          <a:p>
+            <a:pPr algn="ctr"/>
+            <a:endParaRPr lang="zh-TW" altLang="en-US"/>
+          </a:p>
+        </p:txBody>
+      </p:sp>
+      <p:cxnSp>
+        <p:nvCxnSpPr>
+          <p:cNvPr id="22" name="直線接點 21">
+            <a:extLst>
+              <a:ext uri="{FF2B5EF4-FFF2-40B4-BE49-F238E27FC236}">
+                <a16:creationId xmlns:a16="http://schemas.microsoft.com/office/drawing/2014/main" id="{419F26AF-D6CC-40D8-B944-420F079C975F}"/>
+              </a:ext>
+            </a:extLst>
+          </p:cNvPr>
+          <p:cNvCxnSpPr>
+            <a:cxnSpLocks/>
+            <a:stCxn id="19" idx="4"/>
+            <a:endCxn id="20" idx="0"/>
+          </p:cNvCxnSpPr>
+          <p:nvPr/>
+        </p:nvCxnSpPr>
+        <p:spPr>
+          <a:xfrm flipH="1">
+            <a:off x="3688201" y="2864841"/>
+            <a:ext cx="699796" cy="723418"/>
+          </a:xfrm>
+          <a:prstGeom prst="line">
+            <a:avLst/>
+          </a:prstGeom>
+          <a:ln w="57150">
+            <a:solidFill>
+              <a:srgbClr val="FF0000"/>
+            </a:solidFill>
+          </a:ln>
+        </p:spPr>
+        <p:style>
+          <a:lnRef idx="1">
+            <a:schemeClr val="accent1"/>
+          </a:lnRef>
+          <a:fillRef idx="0">
+            <a:schemeClr val="accent1"/>
+          </a:fillRef>
+          <a:effectRef idx="0">
+            <a:schemeClr val="accent1"/>
+          </a:effectRef>
+          <a:fontRef idx="minor">
+            <a:schemeClr val="tx1"/>
+          </a:fontRef>
+        </p:style>
+      </p:cxnSp>
+      <p:sp>
+        <p:nvSpPr>
+          <p:cNvPr id="24" name="橢圓 23">
+            <a:extLst>
+              <a:ext uri="{FF2B5EF4-FFF2-40B4-BE49-F238E27FC236}">
+                <a16:creationId xmlns:a16="http://schemas.microsoft.com/office/drawing/2014/main" id="{FB218DF8-99F1-4A14-AF62-85603679D3DB}"/>
+              </a:ext>
+            </a:extLst>
+          </p:cNvPr>
+          <p:cNvSpPr/>
+          <p:nvPr/>
+        </p:nvSpPr>
+        <p:spPr>
+          <a:xfrm>
+            <a:off x="2725356" y="2357731"/>
+            <a:ext cx="528508" cy="507110"/>
+          </a:xfrm>
+          <a:prstGeom prst="ellipse">
+            <a:avLst/>
+          </a:prstGeom>
+          <a:noFill/>
+          <a:ln w="57150">
+            <a:solidFill>
+              <a:srgbClr val="00B0F0"/>
+            </a:solidFill>
+          </a:ln>
+        </p:spPr>
+        <p:style>
+          <a:lnRef idx="2">
+            <a:schemeClr val="accent1">
+              <a:shade val="50000"/>
+            </a:schemeClr>
+          </a:lnRef>
+          <a:fillRef idx="1">
+            <a:schemeClr val="accent1"/>
+          </a:fillRef>
+          <a:effectRef idx="0">
+            <a:schemeClr val="accent1"/>
+          </a:effectRef>
+          <a:fontRef idx="minor">
+            <a:schemeClr val="lt1"/>
+          </a:fontRef>
+        </p:style>
+        <p:txBody>
+          <a:bodyPr rtlCol="0" anchor="ctr"/>
+          <a:lstStyle/>
+          <a:p>
+            <a:pPr algn="ctr"/>
+            <a:endParaRPr lang="zh-TW" altLang="en-US"/>
+          </a:p>
+        </p:txBody>
+      </p:sp>
+      <p:sp>
+        <p:nvSpPr>
+          <p:cNvPr id="25" name="橢圓 24">
+            <a:extLst>
+              <a:ext uri="{FF2B5EF4-FFF2-40B4-BE49-F238E27FC236}">
+                <a16:creationId xmlns:a16="http://schemas.microsoft.com/office/drawing/2014/main" id="{4DD52B00-D693-4326-8ADA-6C6E58BDA90B}"/>
+              </a:ext>
+            </a:extLst>
+          </p:cNvPr>
+          <p:cNvSpPr/>
+          <p:nvPr/>
+        </p:nvSpPr>
+        <p:spPr>
+          <a:xfrm>
+            <a:off x="633092" y="3588259"/>
+            <a:ext cx="528508" cy="507110"/>
+          </a:xfrm>
+          <a:prstGeom prst="ellipse">
+            <a:avLst/>
+          </a:prstGeom>
+          <a:noFill/>
+          <a:ln w="57150">
+            <a:solidFill>
+              <a:srgbClr val="00B0F0"/>
+            </a:solidFill>
+          </a:ln>
+        </p:spPr>
+        <p:style>
+          <a:lnRef idx="2">
+            <a:schemeClr val="accent1">
+              <a:shade val="50000"/>
+            </a:schemeClr>
+          </a:lnRef>
+          <a:fillRef idx="1">
+            <a:schemeClr val="accent1"/>
+          </a:fillRef>
+          <a:effectRef idx="0">
+            <a:schemeClr val="accent1"/>
+          </a:effectRef>
+          <a:fontRef idx="minor">
+            <a:schemeClr val="lt1"/>
+          </a:fontRef>
+        </p:style>
+        <p:txBody>
+          <a:bodyPr rtlCol="0" anchor="ctr"/>
+          <a:lstStyle/>
+          <a:p>
+            <a:pPr algn="ctr"/>
+            <a:endParaRPr lang="zh-TW" altLang="en-US"/>
+          </a:p>
+        </p:txBody>
+      </p:sp>
+      <p:cxnSp>
+        <p:nvCxnSpPr>
+          <p:cNvPr id="26" name="直線接點 25">
+            <a:extLst>
+              <a:ext uri="{FF2B5EF4-FFF2-40B4-BE49-F238E27FC236}">
+                <a16:creationId xmlns:a16="http://schemas.microsoft.com/office/drawing/2014/main" id="{9807F3D8-19ED-4A1F-B3CA-99C065D3B582}"/>
+              </a:ext>
+            </a:extLst>
+          </p:cNvPr>
+          <p:cNvCxnSpPr>
+            <a:cxnSpLocks/>
+            <a:stCxn id="24" idx="3"/>
+            <a:endCxn id="25" idx="0"/>
+          </p:cNvCxnSpPr>
+          <p:nvPr/>
+        </p:nvCxnSpPr>
+        <p:spPr>
+          <a:xfrm flipH="1">
+            <a:off x="897346" y="2790576"/>
+            <a:ext cx="1905408" cy="797683"/>
+          </a:xfrm>
+          <a:prstGeom prst="line">
+            <a:avLst/>
+          </a:prstGeom>
+          <a:ln w="57150">
+            <a:solidFill>
+              <a:srgbClr val="00B0F0"/>
+            </a:solidFill>
+          </a:ln>
+        </p:spPr>
+        <p:style>
+          <a:lnRef idx="1">
+            <a:schemeClr val="accent1"/>
+          </a:lnRef>
+          <a:fillRef idx="0">
+            <a:schemeClr val="accent1"/>
+          </a:fillRef>
+          <a:effectRef idx="0">
+            <a:schemeClr val="accent1"/>
+          </a:effectRef>
+          <a:fontRef idx="minor">
+            <a:schemeClr val="tx1"/>
+          </a:fontRef>
+        </p:style>
+      </p:cxnSp>
+      <p:cxnSp>
+        <p:nvCxnSpPr>
+          <p:cNvPr id="30" name="直線接點 29">
+            <a:extLst>
+              <a:ext uri="{FF2B5EF4-FFF2-40B4-BE49-F238E27FC236}">
+                <a16:creationId xmlns:a16="http://schemas.microsoft.com/office/drawing/2014/main" id="{ED9E753A-E14E-414D-AD33-0A3FF209EFA4}"/>
+              </a:ext>
+            </a:extLst>
+          </p:cNvPr>
+          <p:cNvCxnSpPr>
+            <a:cxnSpLocks/>
+          </p:cNvCxnSpPr>
+          <p:nvPr/>
+        </p:nvCxnSpPr>
+        <p:spPr>
+          <a:xfrm>
+            <a:off x="3884102" y="1711354"/>
+            <a:ext cx="1" cy="1478063"/>
+          </a:xfrm>
+          <a:prstGeom prst="line">
+            <a:avLst/>
+          </a:prstGeom>
+          <a:ln w="57150">
+            <a:solidFill>
+              <a:srgbClr val="FF0000"/>
+            </a:solidFill>
+            <a:prstDash val="sysDash"/>
+          </a:ln>
+        </p:spPr>
+        <p:style>
+          <a:lnRef idx="1">
+            <a:schemeClr val="accent1"/>
+          </a:lnRef>
+          <a:fillRef idx="0">
+            <a:schemeClr val="accent1"/>
+          </a:fillRef>
+          <a:effectRef idx="0">
+            <a:schemeClr val="accent1"/>
+          </a:effectRef>
+          <a:fontRef idx="minor">
+            <a:schemeClr val="tx1"/>
+          </a:fontRef>
+        </p:style>
+      </p:cxnSp>
+      <p:cxnSp>
+        <p:nvCxnSpPr>
+          <p:cNvPr id="32" name="直線接點 31">
+            <a:extLst>
+              <a:ext uri="{FF2B5EF4-FFF2-40B4-BE49-F238E27FC236}">
+                <a16:creationId xmlns:a16="http://schemas.microsoft.com/office/drawing/2014/main" id="{FB6FB303-B788-4488-AA36-136408E63058}"/>
+              </a:ext>
+            </a:extLst>
+          </p:cNvPr>
+          <p:cNvCxnSpPr>
+            <a:cxnSpLocks/>
+          </p:cNvCxnSpPr>
+          <p:nvPr/>
+        </p:nvCxnSpPr>
+        <p:spPr>
+          <a:xfrm>
+            <a:off x="3252659" y="3153287"/>
+            <a:ext cx="621193" cy="0"/>
+          </a:xfrm>
+          <a:prstGeom prst="line">
+            <a:avLst/>
+          </a:prstGeom>
+          <a:ln w="57150">
+            <a:solidFill>
+              <a:srgbClr val="FF0000"/>
+            </a:solidFill>
+            <a:prstDash val="sysDash"/>
+          </a:ln>
+        </p:spPr>
+        <p:style>
+          <a:lnRef idx="1">
+            <a:schemeClr val="accent1"/>
+          </a:lnRef>
+          <a:fillRef idx="0">
+            <a:schemeClr val="accent1"/>
+          </a:fillRef>
+          <a:effectRef idx="0">
+            <a:schemeClr val="accent1"/>
+          </a:effectRef>
+          <a:fontRef idx="minor">
+            <a:schemeClr val="tx1"/>
+          </a:fontRef>
+        </p:style>
+      </p:cxnSp>
+      <p:cxnSp>
+        <p:nvCxnSpPr>
+          <p:cNvPr id="35" name="直線接點 34">
+            <a:extLst>
+              <a:ext uri="{FF2B5EF4-FFF2-40B4-BE49-F238E27FC236}">
+                <a16:creationId xmlns:a16="http://schemas.microsoft.com/office/drawing/2014/main" id="{0053506B-43B3-4F4F-BE2E-6638B9C6628D}"/>
+              </a:ext>
+            </a:extLst>
+          </p:cNvPr>
+          <p:cNvCxnSpPr>
+            <a:cxnSpLocks/>
+          </p:cNvCxnSpPr>
+          <p:nvPr/>
+        </p:nvCxnSpPr>
+        <p:spPr>
+          <a:xfrm>
+            <a:off x="3252659" y="3153287"/>
+            <a:ext cx="0" cy="1651208"/>
+          </a:xfrm>
+          <a:prstGeom prst="line">
+            <a:avLst/>
+          </a:prstGeom>
+          <a:ln w="57150">
+            <a:solidFill>
+              <a:srgbClr val="FF0000"/>
+            </a:solidFill>
+            <a:prstDash val="sysDash"/>
+          </a:ln>
+        </p:spPr>
+        <p:style>
+          <a:lnRef idx="1">
+            <a:schemeClr val="accent1"/>
+          </a:lnRef>
+          <a:fillRef idx="0">
+            <a:schemeClr val="accent1"/>
+          </a:fillRef>
+          <a:effectRef idx="0">
+            <a:schemeClr val="accent1"/>
+          </a:effectRef>
+          <a:fontRef idx="minor">
+            <a:schemeClr val="tx1"/>
+          </a:fontRef>
+        </p:style>
+      </p:cxnSp>
+      <p:sp>
+        <p:nvSpPr>
+          <p:cNvPr id="38" name="矩形 37">
+            <a:extLst>
+              <a:ext uri="{FF2B5EF4-FFF2-40B4-BE49-F238E27FC236}">
+                <a16:creationId xmlns:a16="http://schemas.microsoft.com/office/drawing/2014/main" id="{9ABCA97F-2E0A-4016-A918-6778EDF89119}"/>
+              </a:ext>
+            </a:extLst>
+          </p:cNvPr>
+          <p:cNvSpPr/>
+          <p:nvPr/>
+        </p:nvSpPr>
+        <p:spPr>
+          <a:xfrm>
+            <a:off x="6546130" y="2256725"/>
+            <a:ext cx="699796" cy="709127"/>
+          </a:xfrm>
+          <a:prstGeom prst="rect">
+            <a:avLst/>
+          </a:prstGeom>
+          <a:noFill/>
+          <a:ln w="57150">
+            <a:solidFill>
+              <a:schemeClr val="tx1"/>
+            </a:solidFill>
+          </a:ln>
+        </p:spPr>
+        <p:style>
+          <a:lnRef idx="2">
+            <a:schemeClr val="accent1">
+              <a:shade val="50000"/>
+            </a:schemeClr>
+          </a:lnRef>
+          <a:fillRef idx="1">
+            <a:schemeClr val="accent1"/>
+          </a:fillRef>
+          <a:effectRef idx="0">
+            <a:schemeClr val="accent1"/>
+          </a:effectRef>
+          <a:fontRef idx="minor">
+            <a:schemeClr val="lt1"/>
+          </a:fontRef>
+        </p:style>
+        <p:txBody>
+          <a:bodyPr rtlCol="0" anchor="ctr"/>
+          <a:lstStyle/>
+          <a:p>
+            <a:pPr algn="ctr"/>
+            <a:r>
+              <a:rPr lang="en-US" sz="2800" b="1" dirty="0">
+                <a:solidFill>
+                  <a:schemeClr val="tx1"/>
+                </a:solidFill>
+              </a:rPr>
+              <a:t>a</a:t>
+            </a:r>
+          </a:p>
+        </p:txBody>
+      </p:sp>
+      <p:sp>
+        <p:nvSpPr>
+          <p:cNvPr id="39" name="矩形 38">
+            <a:extLst>
+              <a:ext uri="{FF2B5EF4-FFF2-40B4-BE49-F238E27FC236}">
+                <a16:creationId xmlns:a16="http://schemas.microsoft.com/office/drawing/2014/main" id="{E99DA033-E3AC-49FB-8CB1-A5F3B930CECD}"/>
+              </a:ext>
+            </a:extLst>
+          </p:cNvPr>
+          <p:cNvSpPr/>
+          <p:nvPr/>
+        </p:nvSpPr>
+        <p:spPr>
+          <a:xfrm>
+            <a:off x="7245926" y="2256724"/>
+            <a:ext cx="699796" cy="709127"/>
+          </a:xfrm>
+          <a:prstGeom prst="rect">
+            <a:avLst/>
+          </a:prstGeom>
+          <a:noFill/>
+          <a:ln w="57150">
+            <a:solidFill>
+              <a:schemeClr val="tx1"/>
+            </a:solidFill>
+          </a:ln>
+        </p:spPr>
+        <p:style>
+          <a:lnRef idx="2">
+            <a:schemeClr val="accent1">
+              <a:shade val="50000"/>
+            </a:schemeClr>
+          </a:lnRef>
+          <a:fillRef idx="1">
+            <a:schemeClr val="accent1"/>
+          </a:fillRef>
+          <a:effectRef idx="0">
+            <a:schemeClr val="accent1"/>
+          </a:effectRef>
+          <a:fontRef idx="minor">
+            <a:schemeClr val="lt1"/>
+          </a:fontRef>
+        </p:style>
+        <p:txBody>
+          <a:bodyPr rtlCol="0" anchor="ctr"/>
+          <a:lstStyle/>
+          <a:p>
+            <a:pPr algn="ctr"/>
+            <a:r>
+              <a:rPr lang="en-US" sz="2800" b="1" dirty="0">
+                <a:solidFill>
+                  <a:schemeClr val="tx1"/>
+                </a:solidFill>
+              </a:rPr>
+              <a:t>b</a:t>
+            </a:r>
+          </a:p>
+        </p:txBody>
+      </p:sp>
+      <p:sp>
+        <p:nvSpPr>
+          <p:cNvPr id="40" name="矩形 39">
+            <a:extLst>
+              <a:ext uri="{FF2B5EF4-FFF2-40B4-BE49-F238E27FC236}">
+                <a16:creationId xmlns:a16="http://schemas.microsoft.com/office/drawing/2014/main" id="{0FD0716F-B81B-4E0C-BFFD-AE34E83DE0CF}"/>
+              </a:ext>
+            </a:extLst>
+          </p:cNvPr>
+          <p:cNvSpPr/>
+          <p:nvPr/>
+        </p:nvSpPr>
+        <p:spPr>
+          <a:xfrm>
+            <a:off x="7945722" y="2256725"/>
+            <a:ext cx="699796" cy="709127"/>
+          </a:xfrm>
+          <a:prstGeom prst="rect">
+            <a:avLst/>
+          </a:prstGeom>
+          <a:noFill/>
+          <a:ln w="57150">
+            <a:solidFill>
+              <a:schemeClr val="tx1"/>
+            </a:solidFill>
+          </a:ln>
+        </p:spPr>
+        <p:style>
+          <a:lnRef idx="2">
+            <a:schemeClr val="accent1">
+              <a:shade val="50000"/>
+            </a:schemeClr>
+          </a:lnRef>
+          <a:fillRef idx="1">
+            <a:schemeClr val="accent1"/>
+          </a:fillRef>
+          <a:effectRef idx="0">
+            <a:schemeClr val="accent1"/>
+          </a:effectRef>
+          <a:fontRef idx="minor">
+            <a:schemeClr val="lt1"/>
+          </a:fontRef>
+        </p:style>
+        <p:txBody>
+          <a:bodyPr rtlCol="0" anchor="ctr"/>
+          <a:lstStyle/>
+          <a:p>
+            <a:pPr algn="ctr"/>
+            <a:r>
+              <a:rPr lang="en-US" sz="2800" b="1" dirty="0">
+                <a:solidFill>
+                  <a:schemeClr val="tx1"/>
+                </a:solidFill>
+              </a:rPr>
+              <a:t>c</a:t>
+            </a:r>
+          </a:p>
+        </p:txBody>
+      </p:sp>
+      <p:sp>
+        <p:nvSpPr>
+          <p:cNvPr id="41" name="矩形 40">
+            <a:extLst>
+              <a:ext uri="{FF2B5EF4-FFF2-40B4-BE49-F238E27FC236}">
+                <a16:creationId xmlns:a16="http://schemas.microsoft.com/office/drawing/2014/main" id="{172D9DEA-A03B-4B8D-B058-CBFAB96EB6BD}"/>
+              </a:ext>
+            </a:extLst>
+          </p:cNvPr>
+          <p:cNvSpPr/>
+          <p:nvPr/>
+        </p:nvSpPr>
+        <p:spPr>
+          <a:xfrm>
+            <a:off x="8645518" y="2256724"/>
+            <a:ext cx="699796" cy="709127"/>
+          </a:xfrm>
+          <a:prstGeom prst="rect">
+            <a:avLst/>
+          </a:prstGeom>
+          <a:noFill/>
+          <a:ln w="57150">
+            <a:solidFill>
+              <a:schemeClr val="tx1"/>
+            </a:solidFill>
+          </a:ln>
+        </p:spPr>
+        <p:style>
+          <a:lnRef idx="2">
+            <a:schemeClr val="accent1">
+              <a:shade val="50000"/>
+            </a:schemeClr>
+          </a:lnRef>
+          <a:fillRef idx="1">
+            <a:schemeClr val="accent1"/>
+          </a:fillRef>
+          <a:effectRef idx="0">
+            <a:schemeClr val="accent1"/>
+          </a:effectRef>
+          <a:fontRef idx="minor">
+            <a:schemeClr val="lt1"/>
+          </a:fontRef>
+        </p:style>
+        <p:txBody>
+          <a:bodyPr rtlCol="0" anchor="ctr"/>
+          <a:lstStyle/>
+          <a:p>
+            <a:pPr algn="ctr"/>
+            <a:r>
+              <a:rPr lang="en-US" sz="2800" b="1" dirty="0">
+                <a:solidFill>
+                  <a:schemeClr val="tx1"/>
+                </a:solidFill>
+              </a:rPr>
+              <a:t>d</a:t>
+            </a:r>
+          </a:p>
+        </p:txBody>
+      </p:sp>
+      <p:sp>
+        <p:nvSpPr>
+          <p:cNvPr id="42" name="矩形 41">
+            <a:extLst>
+              <a:ext uri="{FF2B5EF4-FFF2-40B4-BE49-F238E27FC236}">
+                <a16:creationId xmlns:a16="http://schemas.microsoft.com/office/drawing/2014/main" id="{108D3C6A-0C53-4BFC-A4C9-8BC7721A5A11}"/>
+              </a:ext>
+            </a:extLst>
+          </p:cNvPr>
+          <p:cNvSpPr/>
+          <p:nvPr/>
+        </p:nvSpPr>
+        <p:spPr>
+          <a:xfrm>
+            <a:off x="9345314" y="2256724"/>
+            <a:ext cx="699796" cy="709127"/>
+          </a:xfrm>
+          <a:prstGeom prst="rect">
+            <a:avLst/>
+          </a:prstGeom>
+          <a:noFill/>
+          <a:ln w="57150">
+            <a:solidFill>
+              <a:schemeClr val="tx1"/>
+            </a:solidFill>
+          </a:ln>
+        </p:spPr>
+        <p:style>
+          <a:lnRef idx="2">
+            <a:schemeClr val="accent1">
+              <a:shade val="50000"/>
+            </a:schemeClr>
+          </a:lnRef>
+          <a:fillRef idx="1">
+            <a:schemeClr val="accent1"/>
+          </a:fillRef>
+          <a:effectRef idx="0">
+            <a:schemeClr val="accent1"/>
+          </a:effectRef>
+          <a:fontRef idx="minor">
+            <a:schemeClr val="lt1"/>
+          </a:fontRef>
+        </p:style>
+        <p:txBody>
+          <a:bodyPr rtlCol="0" anchor="ctr"/>
+          <a:lstStyle/>
+          <a:p>
+            <a:pPr algn="ctr"/>
+            <a:r>
+              <a:rPr lang="en-US" sz="2800" b="1" dirty="0">
+                <a:solidFill>
+                  <a:schemeClr val="tx1"/>
+                </a:solidFill>
+              </a:rPr>
+              <a:t>f</a:t>
+            </a:r>
+          </a:p>
+        </p:txBody>
+      </p:sp>
+      <p:sp>
+        <p:nvSpPr>
+          <p:cNvPr id="43" name="矩形 42">
+            <a:extLst>
+              <a:ext uri="{FF2B5EF4-FFF2-40B4-BE49-F238E27FC236}">
+                <a16:creationId xmlns:a16="http://schemas.microsoft.com/office/drawing/2014/main" id="{21E15A8C-5EED-47ED-B5CF-78D6D3ACCB0C}"/>
+              </a:ext>
+            </a:extLst>
+          </p:cNvPr>
+          <p:cNvSpPr/>
+          <p:nvPr/>
+        </p:nvSpPr>
+        <p:spPr>
+          <a:xfrm>
+            <a:off x="10045110" y="2256723"/>
+            <a:ext cx="699796" cy="709127"/>
+          </a:xfrm>
+          <a:prstGeom prst="rect">
+            <a:avLst/>
+          </a:prstGeom>
+          <a:noFill/>
+          <a:ln w="57150">
+            <a:solidFill>
+              <a:schemeClr val="tx1"/>
+            </a:solidFill>
+          </a:ln>
+        </p:spPr>
+        <p:style>
+          <a:lnRef idx="2">
+            <a:schemeClr val="accent1">
+              <a:shade val="50000"/>
+            </a:schemeClr>
+          </a:lnRef>
+          <a:fillRef idx="1">
+            <a:schemeClr val="accent1"/>
+          </a:fillRef>
+          <a:effectRef idx="0">
+            <a:schemeClr val="accent1"/>
+          </a:effectRef>
+          <a:fontRef idx="minor">
+            <a:schemeClr val="lt1"/>
+          </a:fontRef>
+        </p:style>
+        <p:txBody>
+          <a:bodyPr rtlCol="0" anchor="ctr"/>
+          <a:lstStyle/>
+          <a:p>
+            <a:pPr algn="ctr"/>
+            <a:r>
+              <a:rPr lang="en-US" sz="2800" b="1" dirty="0">
+                <a:solidFill>
+                  <a:schemeClr val="tx1"/>
+                </a:solidFill>
+              </a:rPr>
+              <a:t>a</a:t>
+            </a:r>
+          </a:p>
+        </p:txBody>
+      </p:sp>
+      <p:sp>
+        <p:nvSpPr>
+          <p:cNvPr id="44" name="矩形 43">
+            <a:extLst>
+              <a:ext uri="{FF2B5EF4-FFF2-40B4-BE49-F238E27FC236}">
+                <a16:creationId xmlns:a16="http://schemas.microsoft.com/office/drawing/2014/main" id="{16ECA8FC-CE8B-44D6-97E6-B070DC88B098}"/>
+              </a:ext>
+            </a:extLst>
+          </p:cNvPr>
+          <p:cNvSpPr/>
+          <p:nvPr/>
+        </p:nvSpPr>
+        <p:spPr>
+          <a:xfrm>
+            <a:off x="6546130" y="3487252"/>
+            <a:ext cx="699796" cy="709127"/>
+          </a:xfrm>
+          <a:prstGeom prst="rect">
+            <a:avLst/>
+          </a:prstGeom>
+          <a:noFill/>
+          <a:ln w="57150">
+            <a:solidFill>
+              <a:schemeClr val="tx1"/>
+            </a:solidFill>
+          </a:ln>
+        </p:spPr>
+        <p:style>
+          <a:lnRef idx="2">
+            <a:schemeClr val="accent1">
+              <a:shade val="50000"/>
+            </a:schemeClr>
+          </a:lnRef>
+          <a:fillRef idx="1">
+            <a:schemeClr val="accent1"/>
+          </a:fillRef>
+          <a:effectRef idx="0">
+            <a:schemeClr val="accent1"/>
+          </a:effectRef>
+          <a:fontRef idx="minor">
+            <a:schemeClr val="lt1"/>
+          </a:fontRef>
+        </p:style>
+        <p:txBody>
+          <a:bodyPr rtlCol="0" anchor="ctr"/>
+          <a:lstStyle/>
+          <a:p>
+            <a:pPr algn="ctr"/>
+            <a:r>
+              <a:rPr lang="en-US" sz="2800" b="1" dirty="0">
+                <a:solidFill>
+                  <a:schemeClr val="tx1"/>
+                </a:solidFill>
+              </a:rPr>
+              <a:t>d</a:t>
+            </a:r>
+          </a:p>
+        </p:txBody>
+      </p:sp>
+      <p:sp>
+        <p:nvSpPr>
+          <p:cNvPr id="45" name="矩形 44">
+            <a:extLst>
+              <a:ext uri="{FF2B5EF4-FFF2-40B4-BE49-F238E27FC236}">
+                <a16:creationId xmlns:a16="http://schemas.microsoft.com/office/drawing/2014/main" id="{8E6068E1-55AB-4441-9983-A5FB876250E5}"/>
+              </a:ext>
+            </a:extLst>
+          </p:cNvPr>
+          <p:cNvSpPr/>
+          <p:nvPr/>
+        </p:nvSpPr>
+        <p:spPr>
+          <a:xfrm>
+            <a:off x="7245926" y="3487251"/>
+            <a:ext cx="699796" cy="709127"/>
+          </a:xfrm>
+          <a:prstGeom prst="rect">
+            <a:avLst/>
+          </a:prstGeom>
+          <a:noFill/>
+          <a:ln w="57150">
+            <a:solidFill>
+              <a:schemeClr val="tx1"/>
+            </a:solidFill>
+          </a:ln>
+        </p:spPr>
+        <p:style>
+          <a:lnRef idx="2">
+            <a:schemeClr val="accent1">
+              <a:shade val="50000"/>
+            </a:schemeClr>
+          </a:lnRef>
+          <a:fillRef idx="1">
+            <a:schemeClr val="accent1"/>
+          </a:fillRef>
+          <a:effectRef idx="0">
+            <a:schemeClr val="accent1"/>
+          </a:effectRef>
+          <a:fontRef idx="minor">
+            <a:schemeClr val="lt1"/>
+          </a:fontRef>
+        </p:style>
+        <p:txBody>
+          <a:bodyPr rtlCol="0" anchor="ctr"/>
+          <a:lstStyle/>
+          <a:p>
+            <a:pPr algn="ctr"/>
+            <a:r>
+              <a:rPr lang="en-US" sz="2800" b="1" dirty="0">
+                <a:solidFill>
+                  <a:schemeClr val="tx1"/>
+                </a:solidFill>
+              </a:rPr>
+              <a:t>b</a:t>
+            </a:r>
+          </a:p>
+        </p:txBody>
+      </p:sp>
+      <p:sp>
+        <p:nvSpPr>
+          <p:cNvPr id="46" name="矩形 45">
+            <a:extLst>
+              <a:ext uri="{FF2B5EF4-FFF2-40B4-BE49-F238E27FC236}">
+                <a16:creationId xmlns:a16="http://schemas.microsoft.com/office/drawing/2014/main" id="{2FFF3300-32D4-4A9B-B383-711AE698CEC8}"/>
+              </a:ext>
+            </a:extLst>
+          </p:cNvPr>
+          <p:cNvSpPr/>
+          <p:nvPr/>
+        </p:nvSpPr>
+        <p:spPr>
+          <a:xfrm>
+            <a:off x="7945722" y="3487252"/>
+            <a:ext cx="699796" cy="709127"/>
+          </a:xfrm>
+          <a:prstGeom prst="rect">
+            <a:avLst/>
+          </a:prstGeom>
+          <a:noFill/>
+          <a:ln w="57150">
+            <a:solidFill>
+              <a:schemeClr val="tx1"/>
+            </a:solidFill>
+          </a:ln>
+        </p:spPr>
+        <p:style>
+          <a:lnRef idx="2">
+            <a:schemeClr val="accent1">
+              <a:shade val="50000"/>
+            </a:schemeClr>
+          </a:lnRef>
+          <a:fillRef idx="1">
+            <a:schemeClr val="accent1"/>
+          </a:fillRef>
+          <a:effectRef idx="0">
+            <a:schemeClr val="accent1"/>
+          </a:effectRef>
+          <a:fontRef idx="minor">
+            <a:schemeClr val="lt1"/>
+          </a:fontRef>
+        </p:style>
+        <p:txBody>
+          <a:bodyPr rtlCol="0" anchor="ctr"/>
+          <a:lstStyle/>
+          <a:p>
+            <a:pPr algn="ctr"/>
+            <a:r>
+              <a:rPr lang="en-US" sz="2800" b="1" dirty="0">
+                <a:solidFill>
+                  <a:schemeClr val="tx1"/>
+                </a:solidFill>
+              </a:rPr>
+              <a:t>c</a:t>
+            </a:r>
+          </a:p>
+        </p:txBody>
+      </p:sp>
+      <p:sp>
+        <p:nvSpPr>
+          <p:cNvPr id="47" name="矩形 46">
+            <a:extLst>
+              <a:ext uri="{FF2B5EF4-FFF2-40B4-BE49-F238E27FC236}">
+                <a16:creationId xmlns:a16="http://schemas.microsoft.com/office/drawing/2014/main" id="{EBE2FF80-E8F3-4772-AC8E-BDEA9FD0C2C7}"/>
+              </a:ext>
+            </a:extLst>
+          </p:cNvPr>
+          <p:cNvSpPr/>
+          <p:nvPr/>
+        </p:nvSpPr>
+        <p:spPr>
+          <a:xfrm>
+            <a:off x="8645518" y="3487251"/>
+            <a:ext cx="699796" cy="709127"/>
+          </a:xfrm>
+          <a:prstGeom prst="rect">
+            <a:avLst/>
+          </a:prstGeom>
+          <a:noFill/>
+          <a:ln w="57150">
+            <a:solidFill>
+              <a:schemeClr val="tx1"/>
+            </a:solidFill>
+          </a:ln>
+        </p:spPr>
+        <p:style>
+          <a:lnRef idx="2">
+            <a:schemeClr val="accent1">
+              <a:shade val="50000"/>
+            </a:schemeClr>
+          </a:lnRef>
+          <a:fillRef idx="1">
+            <a:schemeClr val="accent1"/>
+          </a:fillRef>
+          <a:effectRef idx="0">
+            <a:schemeClr val="accent1"/>
+          </a:effectRef>
+          <a:fontRef idx="minor">
+            <a:schemeClr val="lt1"/>
+          </a:fontRef>
+        </p:style>
+        <p:txBody>
+          <a:bodyPr rtlCol="0" anchor="ctr"/>
+          <a:lstStyle/>
+          <a:p>
+            <a:pPr algn="ctr"/>
+            <a:r>
+              <a:rPr lang="en-US" sz="2800" b="1" dirty="0">
+                <a:solidFill>
+                  <a:schemeClr val="tx1"/>
+                </a:solidFill>
+              </a:rPr>
+              <a:t>x</a:t>
+            </a:r>
+          </a:p>
+        </p:txBody>
+      </p:sp>
+      <p:sp>
+        <p:nvSpPr>
+          <p:cNvPr id="48" name="矩形 47">
+            <a:extLst>
+              <a:ext uri="{FF2B5EF4-FFF2-40B4-BE49-F238E27FC236}">
+                <a16:creationId xmlns:a16="http://schemas.microsoft.com/office/drawing/2014/main" id="{E4BD3339-8B46-4DBB-9903-48E35D1D47E8}"/>
+              </a:ext>
+            </a:extLst>
+          </p:cNvPr>
+          <p:cNvSpPr/>
+          <p:nvPr/>
+        </p:nvSpPr>
+        <p:spPr>
+          <a:xfrm>
+            <a:off x="9345314" y="3487251"/>
+            <a:ext cx="699796" cy="709127"/>
+          </a:xfrm>
+          <a:prstGeom prst="rect">
+            <a:avLst/>
+          </a:prstGeom>
+          <a:noFill/>
+          <a:ln w="57150">
+            <a:solidFill>
+              <a:schemeClr val="tx1"/>
+            </a:solidFill>
+          </a:ln>
+        </p:spPr>
+        <p:style>
+          <a:lnRef idx="2">
+            <a:schemeClr val="accent1">
+              <a:shade val="50000"/>
+            </a:schemeClr>
+          </a:lnRef>
+          <a:fillRef idx="1">
+            <a:schemeClr val="accent1"/>
+          </a:fillRef>
+          <a:effectRef idx="0">
+            <a:schemeClr val="accent1"/>
+          </a:effectRef>
+          <a:fontRef idx="minor">
+            <a:schemeClr val="lt1"/>
+          </a:fontRef>
+        </p:style>
+        <p:txBody>
+          <a:bodyPr rtlCol="0" anchor="ctr"/>
+          <a:lstStyle/>
+          <a:p>
+            <a:pPr algn="ctr"/>
+            <a:r>
+              <a:rPr lang="en-US" sz="2800" b="1" dirty="0">
+                <a:solidFill>
+                  <a:schemeClr val="tx1"/>
+                </a:solidFill>
+              </a:rPr>
+              <a:t>a</a:t>
+            </a:r>
+          </a:p>
+        </p:txBody>
+      </p:sp>
+      <p:sp>
+        <p:nvSpPr>
+          <p:cNvPr id="49" name="橢圓 48">
+            <a:extLst>
+              <a:ext uri="{FF2B5EF4-FFF2-40B4-BE49-F238E27FC236}">
+                <a16:creationId xmlns:a16="http://schemas.microsoft.com/office/drawing/2014/main" id="{15F151D1-A537-4422-BBD2-C7C6B1E0206D}"/>
+              </a:ext>
+            </a:extLst>
+          </p:cNvPr>
+          <p:cNvSpPr/>
+          <p:nvPr/>
+        </p:nvSpPr>
+        <p:spPr>
+          <a:xfrm>
+            <a:off x="10130754" y="2357731"/>
+            <a:ext cx="528508" cy="507110"/>
+          </a:xfrm>
+          <a:prstGeom prst="ellipse">
+            <a:avLst/>
+          </a:prstGeom>
+          <a:noFill/>
+          <a:ln w="57150">
+            <a:solidFill>
+              <a:srgbClr val="FF0000"/>
+            </a:solidFill>
+          </a:ln>
+        </p:spPr>
+        <p:style>
+          <a:lnRef idx="2">
+            <a:schemeClr val="accent1">
+              <a:shade val="50000"/>
+            </a:schemeClr>
+          </a:lnRef>
+          <a:fillRef idx="1">
+            <a:schemeClr val="accent1"/>
+          </a:fillRef>
+          <a:effectRef idx="0">
+            <a:schemeClr val="accent1"/>
+          </a:effectRef>
+          <a:fontRef idx="minor">
+            <a:schemeClr val="lt1"/>
+          </a:fontRef>
+        </p:style>
+        <p:txBody>
+          <a:bodyPr rtlCol="0" anchor="ctr"/>
+          <a:lstStyle/>
+          <a:p>
+            <a:pPr algn="ctr"/>
+            <a:endParaRPr lang="zh-TW" altLang="en-US"/>
+          </a:p>
+        </p:txBody>
+      </p:sp>
+      <p:sp>
+        <p:nvSpPr>
+          <p:cNvPr id="50" name="橢圓 49">
+            <a:extLst>
+              <a:ext uri="{FF2B5EF4-FFF2-40B4-BE49-F238E27FC236}">
+                <a16:creationId xmlns:a16="http://schemas.microsoft.com/office/drawing/2014/main" id="{BE8CE82A-966C-4FEA-9F2A-08941B5B594D}"/>
+              </a:ext>
+            </a:extLst>
+          </p:cNvPr>
+          <p:cNvSpPr/>
+          <p:nvPr/>
+        </p:nvSpPr>
+        <p:spPr>
+          <a:xfrm>
+            <a:off x="9430958" y="3588259"/>
+            <a:ext cx="528508" cy="507110"/>
+          </a:xfrm>
+          <a:prstGeom prst="ellipse">
+            <a:avLst/>
+          </a:prstGeom>
+          <a:noFill/>
+          <a:ln w="57150">
+            <a:solidFill>
+              <a:srgbClr val="FF0000"/>
+            </a:solidFill>
+          </a:ln>
+        </p:spPr>
+        <p:style>
+          <a:lnRef idx="2">
+            <a:schemeClr val="accent1">
+              <a:shade val="50000"/>
+            </a:schemeClr>
+          </a:lnRef>
+          <a:fillRef idx="1">
+            <a:schemeClr val="accent1"/>
+          </a:fillRef>
+          <a:effectRef idx="0">
+            <a:schemeClr val="accent1"/>
+          </a:effectRef>
+          <a:fontRef idx="minor">
+            <a:schemeClr val="lt1"/>
+          </a:fontRef>
+        </p:style>
+        <p:txBody>
+          <a:bodyPr rtlCol="0" anchor="ctr"/>
+          <a:lstStyle/>
+          <a:p>
+            <a:pPr algn="ctr"/>
+            <a:endParaRPr lang="zh-TW" altLang="en-US"/>
+          </a:p>
+        </p:txBody>
+      </p:sp>
+      <p:cxnSp>
+        <p:nvCxnSpPr>
+          <p:cNvPr id="51" name="直線接點 50">
+            <a:extLst>
+              <a:ext uri="{FF2B5EF4-FFF2-40B4-BE49-F238E27FC236}">
+                <a16:creationId xmlns:a16="http://schemas.microsoft.com/office/drawing/2014/main" id="{3B1B3341-72E3-4A2B-8010-A5687512D5C5}"/>
+              </a:ext>
+            </a:extLst>
+          </p:cNvPr>
+          <p:cNvCxnSpPr>
+            <a:cxnSpLocks/>
+            <a:stCxn id="49" idx="4"/>
+            <a:endCxn id="50" idx="0"/>
+          </p:cNvCxnSpPr>
+          <p:nvPr/>
+        </p:nvCxnSpPr>
+        <p:spPr>
+          <a:xfrm flipH="1">
+            <a:off x="9695212" y="2864841"/>
+            <a:ext cx="699796" cy="723418"/>
+          </a:xfrm>
+          <a:prstGeom prst="line">
+            <a:avLst/>
+          </a:prstGeom>
+          <a:ln w="57150">
+            <a:solidFill>
+              <a:srgbClr val="FF0000"/>
+            </a:solidFill>
+          </a:ln>
+        </p:spPr>
+        <p:style>
+          <a:lnRef idx="1">
+            <a:schemeClr val="accent1"/>
+          </a:lnRef>
+          <a:fillRef idx="0">
+            <a:schemeClr val="accent1"/>
+          </a:fillRef>
+          <a:effectRef idx="0">
+            <a:schemeClr val="accent1"/>
+          </a:effectRef>
+          <a:fontRef idx="minor">
+            <a:schemeClr val="tx1"/>
+          </a:fontRef>
+        </p:style>
+      </p:cxnSp>
+      <p:sp>
+        <p:nvSpPr>
+          <p:cNvPr id="52" name="橢圓 51">
+            <a:extLst>
+              <a:ext uri="{FF2B5EF4-FFF2-40B4-BE49-F238E27FC236}">
+                <a16:creationId xmlns:a16="http://schemas.microsoft.com/office/drawing/2014/main" id="{1A7355DD-2967-4F60-B80D-239B2EDC595C}"/>
+              </a:ext>
+            </a:extLst>
+          </p:cNvPr>
+          <p:cNvSpPr/>
+          <p:nvPr/>
+        </p:nvSpPr>
+        <p:spPr>
+          <a:xfrm>
+            <a:off x="7332027" y="2365588"/>
+            <a:ext cx="528508" cy="507110"/>
+          </a:xfrm>
+          <a:prstGeom prst="ellipse">
+            <a:avLst/>
+          </a:prstGeom>
+          <a:noFill/>
+          <a:ln w="57150">
+            <a:solidFill>
+              <a:srgbClr val="00B0F0"/>
+            </a:solidFill>
+          </a:ln>
+        </p:spPr>
+        <p:style>
+          <a:lnRef idx="2">
+            <a:schemeClr val="accent1">
+              <a:shade val="50000"/>
+            </a:schemeClr>
+          </a:lnRef>
+          <a:fillRef idx="1">
+            <a:schemeClr val="accent1"/>
+          </a:fillRef>
+          <a:effectRef idx="0">
+            <a:schemeClr val="accent1"/>
+          </a:effectRef>
+          <a:fontRef idx="minor">
+            <a:schemeClr val="lt1"/>
+          </a:fontRef>
+        </p:style>
+        <p:txBody>
+          <a:bodyPr rtlCol="0" anchor="ctr"/>
+          <a:lstStyle/>
+          <a:p>
+            <a:pPr algn="ctr"/>
+            <a:endParaRPr lang="zh-TW" altLang="en-US"/>
+          </a:p>
+        </p:txBody>
+      </p:sp>
+      <p:sp>
+        <p:nvSpPr>
+          <p:cNvPr id="53" name="橢圓 52">
+            <a:extLst>
+              <a:ext uri="{FF2B5EF4-FFF2-40B4-BE49-F238E27FC236}">
+                <a16:creationId xmlns:a16="http://schemas.microsoft.com/office/drawing/2014/main" id="{C6EB81E7-F2A7-4EA9-8DA4-E4DF7E07DA18}"/>
+              </a:ext>
+            </a:extLst>
+          </p:cNvPr>
+          <p:cNvSpPr/>
+          <p:nvPr/>
+        </p:nvSpPr>
+        <p:spPr>
+          <a:xfrm>
+            <a:off x="7367098" y="3596776"/>
+            <a:ext cx="528508" cy="507110"/>
+          </a:xfrm>
+          <a:prstGeom prst="ellipse">
+            <a:avLst/>
+          </a:prstGeom>
+          <a:noFill/>
+          <a:ln w="57150">
+            <a:solidFill>
+              <a:srgbClr val="00B0F0"/>
+            </a:solidFill>
+          </a:ln>
+        </p:spPr>
+        <p:style>
+          <a:lnRef idx="2">
+            <a:schemeClr val="accent1">
+              <a:shade val="50000"/>
+            </a:schemeClr>
+          </a:lnRef>
+          <a:fillRef idx="1">
+            <a:schemeClr val="accent1"/>
+          </a:fillRef>
+          <a:effectRef idx="0">
+            <a:schemeClr val="accent1"/>
+          </a:effectRef>
+          <a:fontRef idx="minor">
+            <a:schemeClr val="lt1"/>
+          </a:fontRef>
+        </p:style>
+        <p:txBody>
+          <a:bodyPr rtlCol="0" anchor="ctr"/>
+          <a:lstStyle/>
+          <a:p>
+            <a:pPr algn="ctr"/>
+            <a:endParaRPr lang="zh-TW" altLang="en-US"/>
+          </a:p>
+        </p:txBody>
+      </p:sp>
+      <p:cxnSp>
+        <p:nvCxnSpPr>
+          <p:cNvPr id="54" name="直線接點 53">
+            <a:extLst>
+              <a:ext uri="{FF2B5EF4-FFF2-40B4-BE49-F238E27FC236}">
+                <a16:creationId xmlns:a16="http://schemas.microsoft.com/office/drawing/2014/main" id="{47849483-FC46-489B-A24A-43207F5E6A10}"/>
+              </a:ext>
+            </a:extLst>
+          </p:cNvPr>
+          <p:cNvCxnSpPr>
+            <a:cxnSpLocks/>
+            <a:stCxn id="52" idx="4"/>
+            <a:endCxn id="53" idx="0"/>
+          </p:cNvCxnSpPr>
+          <p:nvPr/>
+        </p:nvCxnSpPr>
+        <p:spPr>
+          <a:xfrm>
+            <a:off x="7596281" y="2872698"/>
+            <a:ext cx="35071" cy="724078"/>
+          </a:xfrm>
+          <a:prstGeom prst="line">
+            <a:avLst/>
+          </a:prstGeom>
+          <a:ln w="57150">
+            <a:solidFill>
+              <a:srgbClr val="00B0F0"/>
+            </a:solidFill>
+          </a:ln>
+        </p:spPr>
+        <p:style>
+          <a:lnRef idx="1">
+            <a:schemeClr val="accent1"/>
+          </a:lnRef>
+          <a:fillRef idx="0">
+            <a:schemeClr val="accent1"/>
+          </a:fillRef>
+          <a:effectRef idx="0">
+            <a:schemeClr val="accent1"/>
+          </a:effectRef>
+          <a:fontRef idx="minor">
+            <a:schemeClr val="tx1"/>
+          </a:fontRef>
+        </p:style>
+      </p:cxnSp>
+      <p:cxnSp>
+        <p:nvCxnSpPr>
+          <p:cNvPr id="55" name="直線接點 54">
+            <a:extLst>
+              <a:ext uri="{FF2B5EF4-FFF2-40B4-BE49-F238E27FC236}">
+                <a16:creationId xmlns:a16="http://schemas.microsoft.com/office/drawing/2014/main" id="{0AA3861B-95AC-4A73-A17A-E8E30C929994}"/>
+              </a:ext>
+            </a:extLst>
+          </p:cNvPr>
+          <p:cNvCxnSpPr>
+            <a:cxnSpLocks/>
+          </p:cNvCxnSpPr>
+          <p:nvPr/>
+        </p:nvCxnSpPr>
+        <p:spPr>
+          <a:xfrm>
+            <a:off x="9891113" y="1711354"/>
+            <a:ext cx="1" cy="1478063"/>
+          </a:xfrm>
+          <a:prstGeom prst="line">
+            <a:avLst/>
+          </a:prstGeom>
+          <a:ln w="57150">
+            <a:solidFill>
+              <a:srgbClr val="FF0000"/>
+            </a:solidFill>
+            <a:prstDash val="sysDash"/>
+          </a:ln>
+        </p:spPr>
+        <p:style>
+          <a:lnRef idx="1">
+            <a:schemeClr val="accent1"/>
+          </a:lnRef>
+          <a:fillRef idx="0">
+            <a:schemeClr val="accent1"/>
+          </a:fillRef>
+          <a:effectRef idx="0">
+            <a:schemeClr val="accent1"/>
+          </a:effectRef>
+          <a:fontRef idx="minor">
+            <a:schemeClr val="tx1"/>
+          </a:fontRef>
+        </p:style>
+      </p:cxnSp>
+      <p:cxnSp>
+        <p:nvCxnSpPr>
+          <p:cNvPr id="56" name="直線接點 55">
+            <a:extLst>
+              <a:ext uri="{FF2B5EF4-FFF2-40B4-BE49-F238E27FC236}">
+                <a16:creationId xmlns:a16="http://schemas.microsoft.com/office/drawing/2014/main" id="{48335DAB-A8C5-4F2B-8BC9-E5FC02F55C35}"/>
+              </a:ext>
+            </a:extLst>
+          </p:cNvPr>
+          <p:cNvCxnSpPr>
+            <a:cxnSpLocks/>
+          </p:cNvCxnSpPr>
+          <p:nvPr/>
+        </p:nvCxnSpPr>
+        <p:spPr>
+          <a:xfrm>
+            <a:off x="9259670" y="3153287"/>
+            <a:ext cx="621193" cy="0"/>
+          </a:xfrm>
+          <a:prstGeom prst="line">
+            <a:avLst/>
+          </a:prstGeom>
+          <a:ln w="57150">
+            <a:solidFill>
+              <a:srgbClr val="FF0000"/>
+            </a:solidFill>
+            <a:prstDash val="sysDash"/>
+          </a:ln>
+        </p:spPr>
+        <p:style>
+          <a:lnRef idx="1">
+            <a:schemeClr val="accent1"/>
+          </a:lnRef>
+          <a:fillRef idx="0">
+            <a:schemeClr val="accent1"/>
+          </a:fillRef>
+          <a:effectRef idx="0">
+            <a:schemeClr val="accent1"/>
+          </a:effectRef>
+          <a:fontRef idx="minor">
+            <a:schemeClr val="tx1"/>
+          </a:fontRef>
+        </p:style>
+      </p:cxnSp>
+      <p:cxnSp>
+        <p:nvCxnSpPr>
+          <p:cNvPr id="57" name="直線接點 56">
+            <a:extLst>
+              <a:ext uri="{FF2B5EF4-FFF2-40B4-BE49-F238E27FC236}">
+                <a16:creationId xmlns:a16="http://schemas.microsoft.com/office/drawing/2014/main" id="{440BBE85-1B32-420F-9B33-88358D6257F3}"/>
+              </a:ext>
+            </a:extLst>
+          </p:cNvPr>
+          <p:cNvCxnSpPr>
+            <a:cxnSpLocks/>
+          </p:cNvCxnSpPr>
+          <p:nvPr/>
+        </p:nvCxnSpPr>
+        <p:spPr>
+          <a:xfrm>
+            <a:off x="9259670" y="3153287"/>
+            <a:ext cx="0" cy="1651208"/>
+          </a:xfrm>
+          <a:prstGeom prst="line">
+            <a:avLst/>
+          </a:prstGeom>
+          <a:ln w="57150">
+            <a:solidFill>
+              <a:srgbClr val="FF0000"/>
+            </a:solidFill>
+            <a:prstDash val="sysDash"/>
+          </a:ln>
+        </p:spPr>
+        <p:style>
+          <a:lnRef idx="1">
+            <a:schemeClr val="accent1"/>
+          </a:lnRef>
+          <a:fillRef idx="0">
+            <a:schemeClr val="accent1"/>
+          </a:fillRef>
+          <a:effectRef idx="0">
+            <a:schemeClr val="accent1"/>
+          </a:effectRef>
+          <a:fontRef idx="minor">
+            <a:schemeClr val="tx1"/>
+          </a:fontRef>
+        </p:style>
+      </p:cxnSp>
+      <p:sp>
+        <p:nvSpPr>
+          <p:cNvPr id="62" name="橢圓 61">
+            <a:extLst>
+              <a:ext uri="{FF2B5EF4-FFF2-40B4-BE49-F238E27FC236}">
+                <a16:creationId xmlns:a16="http://schemas.microsoft.com/office/drawing/2014/main" id="{0B45D7F3-D77B-4D3E-98A4-16450FBCBD46}"/>
+              </a:ext>
+            </a:extLst>
+          </p:cNvPr>
+          <p:cNvSpPr/>
+          <p:nvPr/>
+        </p:nvSpPr>
+        <p:spPr>
+          <a:xfrm>
+            <a:off x="7996295" y="2365588"/>
+            <a:ext cx="528508" cy="507110"/>
+          </a:xfrm>
+          <a:prstGeom prst="ellipse">
+            <a:avLst/>
+          </a:prstGeom>
+          <a:noFill/>
+          <a:ln w="57150">
+            <a:solidFill>
+              <a:srgbClr val="00B0F0"/>
+            </a:solidFill>
+          </a:ln>
+        </p:spPr>
+        <p:style>
+          <a:lnRef idx="2">
+            <a:schemeClr val="accent1">
+              <a:shade val="50000"/>
+            </a:schemeClr>
+          </a:lnRef>
+          <a:fillRef idx="1">
+            <a:schemeClr val="accent1"/>
+          </a:fillRef>
+          <a:effectRef idx="0">
+            <a:schemeClr val="accent1"/>
+          </a:effectRef>
+          <a:fontRef idx="minor">
+            <a:schemeClr val="lt1"/>
+          </a:fontRef>
+        </p:style>
+        <p:txBody>
+          <a:bodyPr rtlCol="0" anchor="ctr"/>
+          <a:lstStyle/>
+          <a:p>
+            <a:pPr algn="ctr"/>
+            <a:endParaRPr lang="zh-TW" altLang="en-US"/>
+          </a:p>
+        </p:txBody>
+      </p:sp>
+      <p:sp>
+        <p:nvSpPr>
+          <p:cNvPr id="63" name="橢圓 62">
+            <a:extLst>
+              <a:ext uri="{FF2B5EF4-FFF2-40B4-BE49-F238E27FC236}">
+                <a16:creationId xmlns:a16="http://schemas.microsoft.com/office/drawing/2014/main" id="{80C9E42A-49F4-4914-A080-BAA999C0FF4B}"/>
+              </a:ext>
+            </a:extLst>
+          </p:cNvPr>
+          <p:cNvSpPr/>
+          <p:nvPr/>
+        </p:nvSpPr>
+        <p:spPr>
+          <a:xfrm>
+            <a:off x="8031366" y="3596776"/>
+            <a:ext cx="528508" cy="507110"/>
+          </a:xfrm>
+          <a:prstGeom prst="ellipse">
+            <a:avLst/>
+          </a:prstGeom>
+          <a:noFill/>
+          <a:ln w="57150">
+            <a:solidFill>
+              <a:srgbClr val="00B0F0"/>
+            </a:solidFill>
+          </a:ln>
+        </p:spPr>
+        <p:style>
+          <a:lnRef idx="2">
+            <a:schemeClr val="accent1">
+              <a:shade val="50000"/>
+            </a:schemeClr>
+          </a:lnRef>
+          <a:fillRef idx="1">
+            <a:schemeClr val="accent1"/>
+          </a:fillRef>
+          <a:effectRef idx="0">
+            <a:schemeClr val="accent1"/>
+          </a:effectRef>
+          <a:fontRef idx="minor">
+            <a:schemeClr val="lt1"/>
+          </a:fontRef>
+        </p:style>
+        <p:txBody>
+          <a:bodyPr rtlCol="0" anchor="ctr"/>
+          <a:lstStyle/>
+          <a:p>
+            <a:pPr algn="ctr"/>
+            <a:endParaRPr lang="zh-TW" altLang="en-US"/>
+          </a:p>
+        </p:txBody>
+      </p:sp>
+      <p:cxnSp>
+        <p:nvCxnSpPr>
+          <p:cNvPr id="64" name="直線接點 63">
+            <a:extLst>
+              <a:ext uri="{FF2B5EF4-FFF2-40B4-BE49-F238E27FC236}">
+                <a16:creationId xmlns:a16="http://schemas.microsoft.com/office/drawing/2014/main" id="{D825F880-2671-4090-A0E6-49470950C263}"/>
+              </a:ext>
+            </a:extLst>
+          </p:cNvPr>
+          <p:cNvCxnSpPr>
+            <a:cxnSpLocks/>
+            <a:stCxn id="62" idx="4"/>
+            <a:endCxn id="63" idx="0"/>
+          </p:cNvCxnSpPr>
+          <p:nvPr/>
+        </p:nvCxnSpPr>
+        <p:spPr>
+          <a:xfrm>
+            <a:off x="8260549" y="2872698"/>
+            <a:ext cx="35071" cy="724078"/>
+          </a:xfrm>
+          <a:prstGeom prst="line">
+            <a:avLst/>
+          </a:prstGeom>
+          <a:ln w="57150">
+            <a:solidFill>
+              <a:srgbClr val="00B0F0"/>
+            </a:solidFill>
+          </a:ln>
+        </p:spPr>
+        <p:style>
+          <a:lnRef idx="1">
+            <a:schemeClr val="accent1"/>
+          </a:lnRef>
+          <a:fillRef idx="0">
+            <a:schemeClr val="accent1"/>
+          </a:fillRef>
+          <a:effectRef idx="0">
+            <a:schemeClr val="accent1"/>
+          </a:effectRef>
+          <a:fontRef idx="minor">
+            <a:schemeClr val="tx1"/>
+          </a:fontRef>
+        </p:style>
+      </p:cxnSp>
+      <p:sp>
+        <p:nvSpPr>
+          <p:cNvPr id="65" name="文字方塊 64">
+            <a:extLst>
+              <a:ext uri="{FF2B5EF4-FFF2-40B4-BE49-F238E27FC236}">
+                <a16:creationId xmlns:a16="http://schemas.microsoft.com/office/drawing/2014/main" id="{7C78CCB6-EC96-4BEE-8922-52C5111DE660}"/>
+              </a:ext>
+            </a:extLst>
+          </p:cNvPr>
+          <p:cNvSpPr txBox="1"/>
+          <p:nvPr/>
+        </p:nvSpPr>
+        <p:spPr>
+          <a:xfrm>
+            <a:off x="4929078" y="2611286"/>
+            <a:ext cx="1278042" cy="430887"/>
+          </a:xfrm>
+          <a:prstGeom prst="rect">
+            <a:avLst/>
+          </a:prstGeom>
+          <a:noFill/>
+        </p:spPr>
+        <p:txBody>
+          <a:bodyPr wrap="none" rtlCol="0">
+            <a:spAutoFit/>
+          </a:bodyPr>
+          <a:lstStyle/>
+          <a:p>
+            <a:r>
+              <a:rPr lang="en-US" altLang="zh-TW" sz="2200" b="1" dirty="0"/>
+              <a:t>Exchange</a:t>
+            </a:r>
+            <a:endParaRPr lang="zh-TW" altLang="en-US" sz="2200" b="1" dirty="0"/>
+          </a:p>
+        </p:txBody>
+      </p:sp>
+      <p:sp>
+        <p:nvSpPr>
+          <p:cNvPr id="66" name="文字方塊 65">
+            <a:extLst>
+              <a:ext uri="{FF2B5EF4-FFF2-40B4-BE49-F238E27FC236}">
+                <a16:creationId xmlns:a16="http://schemas.microsoft.com/office/drawing/2014/main" id="{D2BDF846-31BC-4CC7-AF7E-96F1660700E9}"/>
+              </a:ext>
+            </a:extLst>
+          </p:cNvPr>
+          <p:cNvSpPr txBox="1"/>
+          <p:nvPr/>
+        </p:nvSpPr>
+        <p:spPr>
+          <a:xfrm>
+            <a:off x="162762" y="1735324"/>
+            <a:ext cx="3721340" cy="369332"/>
+          </a:xfrm>
+          <a:prstGeom prst="rect">
+            <a:avLst/>
+          </a:prstGeom>
+          <a:noFill/>
+        </p:spPr>
+        <p:txBody>
+          <a:bodyPr wrap="none" rtlCol="0">
+            <a:spAutoFit/>
+          </a:bodyPr>
+          <a:lstStyle/>
+          <a:p>
+            <a:r>
+              <a:rPr lang="en-US" altLang="zh-TW" b="1" dirty="0"/>
+              <a:t>Not optimal for A[1 … i-1], B[1 … j-1].</a:t>
+            </a:r>
+            <a:endParaRPr lang="zh-TW" altLang="en-US" b="1" dirty="0"/>
+          </a:p>
+        </p:txBody>
+      </p:sp>
+      <p:sp>
+        <p:nvSpPr>
+          <p:cNvPr id="67" name="矩形 66">
+            <a:extLst>
+              <a:ext uri="{FF2B5EF4-FFF2-40B4-BE49-F238E27FC236}">
+                <a16:creationId xmlns:a16="http://schemas.microsoft.com/office/drawing/2014/main" id="{E7EAA8CF-800D-4912-9247-0DE0D32BBA38}"/>
+              </a:ext>
+            </a:extLst>
+          </p:cNvPr>
+          <p:cNvSpPr/>
+          <p:nvPr/>
+        </p:nvSpPr>
+        <p:spPr>
+          <a:xfrm>
+            <a:off x="4154081" y="1799645"/>
+            <a:ext cx="583814" cy="369332"/>
+          </a:xfrm>
+          <a:prstGeom prst="rect">
+            <a:avLst/>
+          </a:prstGeom>
+        </p:spPr>
+        <p:txBody>
+          <a:bodyPr wrap="none">
+            <a:spAutoFit/>
+          </a:bodyPr>
+          <a:lstStyle/>
+          <a:p>
+            <a:r>
+              <a:rPr lang="en-US" altLang="zh-TW" b="1" dirty="0"/>
+              <a:t>A[</a:t>
+            </a:r>
+            <a:r>
+              <a:rPr lang="en-US" altLang="zh-TW" b="1" dirty="0" err="1"/>
+              <a:t>i</a:t>
+            </a:r>
+            <a:r>
+              <a:rPr lang="en-US" altLang="zh-TW" b="1" dirty="0"/>
+              <a:t>] </a:t>
+            </a:r>
+            <a:endParaRPr lang="zh-TW" altLang="en-US" dirty="0"/>
+          </a:p>
+        </p:txBody>
+      </p:sp>
+      <p:sp>
+        <p:nvSpPr>
+          <p:cNvPr id="68" name="矩形 67">
+            <a:extLst>
+              <a:ext uri="{FF2B5EF4-FFF2-40B4-BE49-F238E27FC236}">
+                <a16:creationId xmlns:a16="http://schemas.microsoft.com/office/drawing/2014/main" id="{8228468D-4220-4AF7-B6AF-6B09B7EDA48E}"/>
+              </a:ext>
+            </a:extLst>
+          </p:cNvPr>
+          <p:cNvSpPr/>
+          <p:nvPr/>
+        </p:nvSpPr>
+        <p:spPr>
+          <a:xfrm>
+            <a:off x="3415534" y="4348446"/>
+            <a:ext cx="524503" cy="369332"/>
+          </a:xfrm>
+          <a:prstGeom prst="rect">
+            <a:avLst/>
+          </a:prstGeom>
+        </p:spPr>
+        <p:txBody>
+          <a:bodyPr wrap="none">
+            <a:spAutoFit/>
+          </a:bodyPr>
+          <a:lstStyle/>
+          <a:p>
+            <a:r>
+              <a:rPr lang="en-US" altLang="zh-TW" b="1" dirty="0"/>
+              <a:t>B[j]</a:t>
+            </a:r>
+            <a:endParaRPr lang="zh-TW" altLang="en-US" dirty="0"/>
+          </a:p>
+        </p:txBody>
+      </p:sp>
+      <p:sp>
+        <p:nvSpPr>
+          <p:cNvPr id="69" name="矩形 68">
+            <a:extLst>
+              <a:ext uri="{FF2B5EF4-FFF2-40B4-BE49-F238E27FC236}">
+                <a16:creationId xmlns:a16="http://schemas.microsoft.com/office/drawing/2014/main" id="{395D815D-AFD8-4143-B834-D2F2807C629C}"/>
+              </a:ext>
+            </a:extLst>
+          </p:cNvPr>
+          <p:cNvSpPr/>
+          <p:nvPr/>
+        </p:nvSpPr>
+        <p:spPr>
+          <a:xfrm>
+            <a:off x="10171507" y="1725735"/>
+            <a:ext cx="583814" cy="369332"/>
+          </a:xfrm>
+          <a:prstGeom prst="rect">
+            <a:avLst/>
+          </a:prstGeom>
+        </p:spPr>
+        <p:txBody>
+          <a:bodyPr wrap="none">
+            <a:spAutoFit/>
+          </a:bodyPr>
+          <a:lstStyle/>
+          <a:p>
+            <a:r>
+              <a:rPr lang="en-US" altLang="zh-TW" b="1" dirty="0"/>
+              <a:t>A[</a:t>
+            </a:r>
+            <a:r>
+              <a:rPr lang="en-US" altLang="zh-TW" b="1" dirty="0" err="1"/>
+              <a:t>i</a:t>
+            </a:r>
+            <a:r>
+              <a:rPr lang="en-US" altLang="zh-TW" b="1" dirty="0"/>
+              <a:t>] </a:t>
+            </a:r>
+            <a:endParaRPr lang="zh-TW" altLang="en-US" dirty="0"/>
+          </a:p>
+        </p:txBody>
+      </p:sp>
+      <p:sp>
+        <p:nvSpPr>
+          <p:cNvPr id="70" name="矩形 69">
+            <a:extLst>
+              <a:ext uri="{FF2B5EF4-FFF2-40B4-BE49-F238E27FC236}">
+                <a16:creationId xmlns:a16="http://schemas.microsoft.com/office/drawing/2014/main" id="{3C4BB955-2CE7-46DD-BB12-7CA7FF85B347}"/>
+              </a:ext>
+            </a:extLst>
+          </p:cNvPr>
+          <p:cNvSpPr/>
+          <p:nvPr/>
+        </p:nvSpPr>
+        <p:spPr>
+          <a:xfrm>
+            <a:off x="9432960" y="4274536"/>
+            <a:ext cx="524503" cy="369332"/>
+          </a:xfrm>
+          <a:prstGeom prst="rect">
+            <a:avLst/>
+          </a:prstGeom>
+        </p:spPr>
+        <p:txBody>
+          <a:bodyPr wrap="none">
+            <a:spAutoFit/>
+          </a:bodyPr>
+          <a:lstStyle/>
+          <a:p>
+            <a:r>
+              <a:rPr lang="en-US" altLang="zh-TW" b="1" dirty="0"/>
+              <a:t>B[j]</a:t>
+            </a:r>
+            <a:endParaRPr lang="zh-TW" altLang="en-US" dirty="0"/>
+          </a:p>
+        </p:txBody>
+      </p:sp>
+      <p:sp>
+        <p:nvSpPr>
+          <p:cNvPr id="73" name="文字方塊 72">
+            <a:extLst>
+              <a:ext uri="{FF2B5EF4-FFF2-40B4-BE49-F238E27FC236}">
+                <a16:creationId xmlns:a16="http://schemas.microsoft.com/office/drawing/2014/main" id="{AAC42D5B-D55E-4EA5-B9DF-9ADE0A96C8FF}"/>
+              </a:ext>
+            </a:extLst>
+          </p:cNvPr>
+          <p:cNvSpPr txBox="1"/>
+          <p:nvPr/>
+        </p:nvSpPr>
+        <p:spPr>
+          <a:xfrm>
+            <a:off x="6529289" y="1811358"/>
+            <a:ext cx="3344634" cy="369332"/>
+          </a:xfrm>
+          <a:prstGeom prst="rect">
+            <a:avLst/>
+          </a:prstGeom>
+          <a:noFill/>
+        </p:spPr>
+        <p:txBody>
+          <a:bodyPr wrap="none" rtlCol="0">
+            <a:spAutoFit/>
+          </a:bodyPr>
+          <a:lstStyle/>
+          <a:p>
+            <a:r>
+              <a:rPr lang="en-US" altLang="zh-TW" b="1" dirty="0"/>
+              <a:t>Optimal for A[1 … i-1], B[1 … j-1].</a:t>
+            </a:r>
+            <a:endParaRPr lang="zh-TW" altLang="en-US" b="1" dirty="0"/>
+          </a:p>
+        </p:txBody>
+      </p:sp>
+    </p:spTree>
+    <p:extLst>
+      <p:ext uri="{BB962C8B-B14F-4D97-AF65-F5344CB8AC3E}">
+        <p14:creationId xmlns:p14="http://schemas.microsoft.com/office/powerpoint/2010/main" val="606806279"/>
+      </p:ext>
+    </p:extLst>
+  </p:cSld>
+  <p:clrMapOvr>
+    <a:masterClrMapping/>
+  </p:clrMapOvr>
+</p:sld>
+</file>
+
 <file path=ppt/theme/theme1.xml><?xml version="1.0" encoding="utf-8"?>
 <a:theme xmlns:a="http://schemas.openxmlformats.org/drawingml/2006/main" name="Office 佈景主題">
   <a:themeElements>
